--- a/Documentation/Presentation.pptx
+++ b/Documentation/Presentation.pptx
@@ -144,15 +144,15 @@
 </file>
 
 <file path=ppt/diagrams/colors1.xml><?xml version="1.0" encoding="utf-8"?>
-<dgm:colorsDef xmlns:dgm="http://schemas.openxmlformats.org/drawingml/2006/diagram" xmlns:a="http://schemas.openxmlformats.org/drawingml/2006/main" uniqueId="urn:microsoft.com/office/officeart/2018/5/colors/Iconchunking_coloredtext_colorful1">
+<dgm:colorsDef xmlns:dgm="http://schemas.openxmlformats.org/drawingml/2006/diagram" xmlns:a="http://schemas.openxmlformats.org/drawingml/2006/main" uniqueId="urn:microsoft.com/office/officeart/2018/5/colors/Iconchunking_neutralbg_accent2_2">
   <dgm:title val=""/>
   <dgm:desc val=""/>
   <dgm:catLst>
-    <dgm:cat type="colorful" pri="10100"/>
+    <dgm:cat type="accent2" pri="11200"/>
   </dgm:catLst>
   <dgm:styleLbl name="node0">
     <dgm:fillClrLst meth="repeat">
-      <a:schemeClr val="accent1"/>
+      <a:schemeClr val="accent2"/>
     </dgm:fillClrLst>
     <dgm:linClrLst meth="repeat">
       <a:schemeClr val="lt1"/>
@@ -164,7 +164,7 @@
   </dgm:styleLbl>
   <dgm:styleLbl name="node1">
     <dgm:fillClrLst meth="repeat">
-      <a:schemeClr val="bg1"/>
+      <a:schemeClr val="accent2"/>
     </dgm:fillClrLst>
     <dgm:linClrLst meth="repeat">
       <a:schemeClr val="lt1">
@@ -173,25 +173,15 @@
     </dgm:linClrLst>
     <dgm:effectClrLst/>
     <dgm:txLinClrLst/>
-    <dgm:txFillClrLst meth="repeat">
-      <a:schemeClr val="dk1"/>
-    </dgm:txFillClrLst>
+    <dgm:txFillClrLst/>
     <dgm:txEffectClrLst/>
   </dgm:styleLbl>
   <dgm:styleLbl name="alignNode1">
     <dgm:fillClrLst meth="repeat">
       <a:schemeClr val="accent2"/>
-      <a:schemeClr val="accent3"/>
-      <a:schemeClr val="accent4"/>
-      <a:schemeClr val="accent5"/>
-      <a:schemeClr val="accent6"/>
     </dgm:fillClrLst>
     <dgm:linClrLst meth="repeat">
       <a:schemeClr val="accent2"/>
-      <a:schemeClr val="accent3"/>
-      <a:schemeClr val="accent4"/>
-      <a:schemeClr val="accent5"/>
-      <a:schemeClr val="accent6"/>
     </dgm:linClrLst>
     <dgm:effectClrLst/>
     <dgm:txLinClrLst/>
@@ -201,10 +191,6 @@
   <dgm:styleLbl name="lnNode1">
     <dgm:fillClrLst meth="repeat">
       <a:schemeClr val="accent2"/>
-      <a:schemeClr val="accent3"/>
-      <a:schemeClr val="accent4"/>
-      <a:schemeClr val="accent5"/>
-      <a:schemeClr val="accent6"/>
     </dgm:fillClrLst>
     <dgm:linClrLst meth="repeat">
       <a:schemeClr val="lt1"/>
@@ -219,18 +205,6 @@
       <a:schemeClr val="accent2">
         <a:alpha val="50000"/>
       </a:schemeClr>
-      <a:schemeClr val="accent3">
-        <a:alpha val="50000"/>
-      </a:schemeClr>
-      <a:schemeClr val="accent4">
-        <a:alpha val="50000"/>
-      </a:schemeClr>
-      <a:schemeClr val="accent5">
-        <a:alpha val="50000"/>
-      </a:schemeClr>
-      <a:schemeClr val="accent6">
-        <a:alpha val="50000"/>
-      </a:schemeClr>
     </dgm:fillClrLst>
     <dgm:linClrLst meth="repeat">
       <a:schemeClr val="lt1"/>
@@ -241,7 +215,7 @@
     <dgm:txEffectClrLst/>
   </dgm:styleLbl>
   <dgm:styleLbl name="node2">
-    <dgm:fillClrLst>
+    <dgm:fillClrLst meth="repeat">
       <a:schemeClr val="accent2"/>
     </dgm:fillClrLst>
     <dgm:linClrLst meth="repeat">
@@ -253,8 +227,8 @@
     <dgm:txEffectClrLst/>
   </dgm:styleLbl>
   <dgm:styleLbl name="node3">
-    <dgm:fillClrLst>
-      <a:schemeClr val="accent3"/>
+    <dgm:fillClrLst meth="repeat">
+      <a:schemeClr val="accent2"/>
     </dgm:fillClrLst>
     <dgm:linClrLst meth="repeat">
       <a:schemeClr val="lt1"/>
@@ -265,8 +239,8 @@
     <dgm:txEffectClrLst/>
   </dgm:styleLbl>
   <dgm:styleLbl name="node4">
-    <dgm:fillClrLst>
-      <a:schemeClr val="accent4"/>
+    <dgm:fillClrLst meth="repeat">
+      <a:schemeClr val="accent2"/>
     </dgm:fillClrLst>
     <dgm:linClrLst meth="repeat">
       <a:schemeClr val="lt1"/>
@@ -281,16 +255,20 @@
       <a:schemeClr val="accent2">
         <a:tint val="50000"/>
       </a:schemeClr>
-      <a:schemeClr val="accent3">
-        <a:tint val="50000"/>
-      </a:schemeClr>
-      <a:schemeClr val="accent4">
-        <a:tint val="50000"/>
-      </a:schemeClr>
-      <a:schemeClr val="accent5">
-        <a:tint val="50000"/>
-      </a:schemeClr>
-      <a:schemeClr val="accent6">
+    </dgm:fillClrLst>
+    <dgm:linClrLst meth="repeat">
+      <a:schemeClr val="lt1"/>
+    </dgm:linClrLst>
+    <dgm:effectClrLst/>
+    <dgm:txLinClrLst/>
+    <dgm:txFillClrLst meth="repeat">
+      <a:schemeClr val="lt1"/>
+    </dgm:txFillClrLst>
+    <dgm:txEffectClrLst/>
+  </dgm:styleLbl>
+  <dgm:styleLbl name="alignImgPlace1">
+    <dgm:fillClrLst meth="repeat">
+      <a:schemeClr val="accent2">
         <a:tint val="50000"/>
       </a:schemeClr>
     </dgm:fillClrLst>
@@ -304,32 +282,10 @@
     </dgm:txFillClrLst>
     <dgm:txEffectClrLst/>
   </dgm:styleLbl>
-  <dgm:styleLbl name="alignImgPlace1">
-    <dgm:fillClrLst>
-      <a:schemeClr val="accent1">
+  <dgm:styleLbl name="bgImgPlace1">
+    <dgm:fillClrLst meth="repeat">
+      <a:schemeClr val="accent2">
         <a:tint val="50000"/>
-      </a:schemeClr>
-      <a:schemeClr val="accent2">
-        <a:tint val="20000"/>
-      </a:schemeClr>
-    </dgm:fillClrLst>
-    <dgm:linClrLst meth="repeat">
-      <a:schemeClr val="lt1"/>
-    </dgm:linClrLst>
-    <dgm:effectClrLst/>
-    <dgm:txLinClrLst/>
-    <dgm:txFillClrLst meth="repeat">
-      <a:schemeClr val="lt1"/>
-    </dgm:txFillClrLst>
-    <dgm:txEffectClrLst/>
-  </dgm:styleLbl>
-  <dgm:styleLbl name="bgImgPlace1">
-    <dgm:fillClrLst>
-      <a:schemeClr val="accent1">
-        <a:tint val="50000"/>
-      </a:schemeClr>
-      <a:schemeClr val="accent2">
-        <a:tint val="20000"/>
       </a:schemeClr>
     </dgm:fillClrLst>
     <dgm:linClrLst meth="repeat">
@@ -344,14 +300,14 @@
   </dgm:styleLbl>
   <dgm:styleLbl name="sibTrans2D1">
     <dgm:fillClrLst meth="repeat">
-      <a:schemeClr val="accent2"/>
-      <a:schemeClr val="accent3"/>
-      <a:schemeClr val="accent4"/>
-      <a:schemeClr val="accent5"/>
-      <a:schemeClr val="accent6"/>
+      <a:schemeClr val="accent2">
+        <a:tint val="60000"/>
+      </a:schemeClr>
     </dgm:fillClrLst>
-    <dgm:linClrLst meth="cycle">
-      <a:schemeClr val="lt1"/>
+    <dgm:linClrLst meth="repeat">
+      <a:schemeClr val="accent2">
+        <a:tint val="60000"/>
+      </a:schemeClr>
     </dgm:linClrLst>
     <dgm:effectClrLst/>
     <dgm:txLinClrLst/>
@@ -360,54 +316,42 @@
   </dgm:styleLbl>
   <dgm:styleLbl name="fgSibTrans2D1">
     <dgm:fillClrLst meth="repeat">
-      <a:schemeClr val="accent2"/>
-      <a:schemeClr val="accent3"/>
-      <a:schemeClr val="accent4"/>
-      <a:schemeClr val="accent5"/>
-      <a:schemeClr val="accent6"/>
+      <a:schemeClr val="accent2">
+        <a:tint val="60000"/>
+      </a:schemeClr>
     </dgm:fillClrLst>
-    <dgm:linClrLst meth="cycle">
-      <a:schemeClr val="lt1"/>
+    <dgm:linClrLst meth="repeat">
+      <a:schemeClr val="accent2">
+        <a:tint val="60000"/>
+      </a:schemeClr>
     </dgm:linClrLst>
     <dgm:effectClrLst/>
     <dgm:txLinClrLst/>
-    <dgm:txFillClrLst meth="repeat">
-      <a:schemeClr val="lt1"/>
-    </dgm:txFillClrLst>
+    <dgm:txFillClrLst/>
     <dgm:txEffectClrLst/>
   </dgm:styleLbl>
   <dgm:styleLbl name="bgSibTrans2D1">
     <dgm:fillClrLst meth="repeat">
-      <a:schemeClr val="accent2"/>
-      <a:schemeClr val="accent3"/>
-      <a:schemeClr val="accent4"/>
-      <a:schemeClr val="accent5"/>
-      <a:schemeClr val="accent6"/>
+      <a:schemeClr val="accent2">
+        <a:tint val="60000"/>
+      </a:schemeClr>
     </dgm:fillClrLst>
-    <dgm:linClrLst meth="cycle">
-      <a:schemeClr val="lt1"/>
+    <dgm:linClrLst meth="repeat">
+      <a:schemeClr val="accent2">
+        <a:tint val="60000"/>
+      </a:schemeClr>
     </dgm:linClrLst>
     <dgm:effectClrLst/>
     <dgm:txLinClrLst/>
-    <dgm:txFillClrLst meth="repeat">
-      <a:schemeClr val="lt1"/>
-    </dgm:txFillClrLst>
+    <dgm:txFillClrLst/>
     <dgm:txEffectClrLst/>
   </dgm:styleLbl>
   <dgm:styleLbl name="sibTrans1D1">
     <dgm:fillClrLst meth="repeat">
       <a:schemeClr val="accent2"/>
-      <a:schemeClr val="accent3"/>
-      <a:schemeClr val="accent4"/>
-      <a:schemeClr val="accent5"/>
-      <a:schemeClr val="accent6"/>
     </dgm:fillClrLst>
     <dgm:linClrLst meth="repeat">
       <a:schemeClr val="accent2"/>
-      <a:schemeClr val="accent3"/>
-      <a:schemeClr val="accent4"/>
-      <a:schemeClr val="accent5"/>
-      <a:schemeClr val="accent6"/>
     </dgm:linClrLst>
     <dgm:effectClrLst/>
     <dgm:txLinClrLst/>
@@ -434,7 +378,7 @@
   </dgm:styleLbl>
   <dgm:styleLbl name="asst0">
     <dgm:fillClrLst meth="repeat">
-      <a:schemeClr val="accent1"/>
+      <a:schemeClr val="accent2"/>
     </dgm:fillClrLst>
     <dgm:linClrLst meth="repeat">
       <a:schemeClr val="lt1"/>
@@ -457,8 +401,8 @@
     <dgm:txEffectClrLst/>
   </dgm:styleLbl>
   <dgm:styleLbl name="asst2">
-    <dgm:fillClrLst>
-      <a:schemeClr val="accent3"/>
+    <dgm:fillClrLst meth="repeat">
+      <a:schemeClr val="accent2"/>
     </dgm:fillClrLst>
     <dgm:linClrLst meth="repeat">
       <a:schemeClr val="lt1"/>
@@ -469,8 +413,8 @@
     <dgm:txEffectClrLst/>
   </dgm:styleLbl>
   <dgm:styleLbl name="asst3">
-    <dgm:fillClrLst>
-      <a:schemeClr val="accent4"/>
+    <dgm:fillClrLst meth="repeat">
+      <a:schemeClr val="accent2"/>
     </dgm:fillClrLst>
     <dgm:linClrLst meth="repeat">
       <a:schemeClr val="lt1"/>
@@ -481,8 +425,8 @@
     <dgm:txEffectClrLst/>
   </dgm:styleLbl>
   <dgm:styleLbl name="asst4">
-    <dgm:fillClrLst>
-      <a:schemeClr val="accent5"/>
+    <dgm:fillClrLst meth="repeat">
+      <a:schemeClr val="accent2"/>
     </dgm:fillClrLst>
     <dgm:linClrLst meth="repeat">
       <a:schemeClr val="lt1"/>
@@ -494,10 +438,14 @@
   </dgm:styleLbl>
   <dgm:styleLbl name="parChTrans2D1">
     <dgm:fillClrLst meth="repeat">
-      <a:schemeClr val="accent2"/>
+      <a:schemeClr val="accent2">
+        <a:tint val="60000"/>
+      </a:schemeClr>
     </dgm:fillClrLst>
     <dgm:linClrLst meth="repeat">
-      <a:schemeClr val="lt1"/>
+      <a:schemeClr val="accent2">
+        <a:tint val="60000"/>
+      </a:schemeClr>
     </dgm:linClrLst>
     <dgm:effectClrLst/>
     <dgm:txLinClrLst/>
@@ -508,34 +456,38 @@
   </dgm:styleLbl>
   <dgm:styleLbl name="parChTrans2D2">
     <dgm:fillClrLst meth="repeat">
-      <a:schemeClr val="accent3"/>
+      <a:schemeClr val="accent2"/>
     </dgm:fillClrLst>
     <dgm:linClrLst meth="repeat">
-      <a:schemeClr val="lt1"/>
+      <a:schemeClr val="accent2"/>
     </dgm:linClrLst>
     <dgm:effectClrLst/>
     <dgm:txLinClrLst/>
-    <dgm:txFillClrLst/>
+    <dgm:txFillClrLst meth="repeat">
+      <a:schemeClr val="lt1"/>
+    </dgm:txFillClrLst>
     <dgm:txEffectClrLst/>
   </dgm:styleLbl>
   <dgm:styleLbl name="parChTrans2D3">
     <dgm:fillClrLst meth="repeat">
-      <a:schemeClr val="accent4"/>
+      <a:schemeClr val="accent2"/>
     </dgm:fillClrLst>
     <dgm:linClrLst meth="repeat">
-      <a:schemeClr val="lt1"/>
+      <a:schemeClr val="accent2"/>
     </dgm:linClrLst>
     <dgm:effectClrLst/>
     <dgm:txLinClrLst/>
-    <dgm:txFillClrLst/>
+    <dgm:txFillClrLst meth="repeat">
+      <a:schemeClr val="lt1"/>
+    </dgm:txFillClrLst>
     <dgm:txEffectClrLst/>
   </dgm:styleLbl>
   <dgm:styleLbl name="parChTrans2D4">
     <dgm:fillClrLst meth="repeat">
-      <a:schemeClr val="accent5"/>
+      <a:schemeClr val="accent2"/>
     </dgm:fillClrLst>
     <dgm:linClrLst meth="repeat">
-      <a:schemeClr val="lt1"/>
+      <a:schemeClr val="accent2"/>
     </dgm:linClrLst>
     <dgm:effectClrLst/>
     <dgm:txLinClrLst/>
@@ -549,7 +501,9 @@
       <a:schemeClr val="accent2"/>
     </dgm:fillClrLst>
     <dgm:linClrLst meth="repeat">
-      <a:schemeClr val="accent1"/>
+      <a:schemeClr val="accent2">
+        <a:shade val="60000"/>
+      </a:schemeClr>
     </dgm:linClrLst>
     <dgm:effectClrLst/>
     <dgm:txLinClrLst/>
@@ -560,12 +514,12 @@
   </dgm:styleLbl>
   <dgm:styleLbl name="parChTrans1D2">
     <dgm:fillClrLst meth="repeat">
-      <a:schemeClr val="accent3">
-        <a:tint val="90000"/>
-      </a:schemeClr>
+      <a:schemeClr val="accent2"/>
     </dgm:fillClrLst>
     <dgm:linClrLst meth="repeat">
-      <a:schemeClr val="accent2"/>
+      <a:schemeClr val="accent2">
+        <a:shade val="60000"/>
+      </a:schemeClr>
     </dgm:linClrLst>
     <dgm:effectClrLst/>
     <dgm:txLinClrLst/>
@@ -576,12 +530,12 @@
   </dgm:styleLbl>
   <dgm:styleLbl name="parChTrans1D3">
     <dgm:fillClrLst meth="repeat">
-      <a:schemeClr val="accent4">
-        <a:tint val="70000"/>
-      </a:schemeClr>
+      <a:schemeClr val="accent2"/>
     </dgm:fillClrLst>
     <dgm:linClrLst meth="repeat">
-      <a:schemeClr val="accent3"/>
+      <a:schemeClr val="accent2">
+        <a:shade val="80000"/>
+      </a:schemeClr>
     </dgm:linClrLst>
     <dgm:effectClrLst/>
     <dgm:txLinClrLst/>
@@ -592,12 +546,12 @@
   </dgm:styleLbl>
   <dgm:styleLbl name="parChTrans1D4">
     <dgm:fillClrLst meth="repeat">
-      <a:schemeClr val="accent5">
-        <a:tint val="50000"/>
-      </a:schemeClr>
+      <a:schemeClr val="accent2"/>
     </dgm:fillClrLst>
     <dgm:linClrLst meth="repeat">
-      <a:schemeClr val="accent4"/>
+      <a:schemeClr val="accent2">
+        <a:shade val="80000"/>
+      </a:schemeClr>
     </dgm:linClrLst>
     <dgm:effectClrLst/>
     <dgm:txLinClrLst/>
@@ -614,10 +568,6 @@
     </dgm:fillClrLst>
     <dgm:linClrLst meth="repeat">
       <a:schemeClr val="accent2"/>
-      <a:schemeClr val="accent3"/>
-      <a:schemeClr val="accent4"/>
-      <a:schemeClr val="accent5"/>
-      <a:schemeClr val="accent6"/>
     </dgm:linClrLst>
     <dgm:effectClrLst/>
     <dgm:txLinClrLst/>
@@ -634,10 +584,6 @@
     </dgm:fillClrLst>
     <dgm:linClrLst meth="repeat">
       <a:schemeClr val="accent2"/>
-      <a:schemeClr val="accent3"/>
-      <a:schemeClr val="accent4"/>
-      <a:schemeClr val="accent5"/>
-      <a:schemeClr val="accent6"/>
     </dgm:linClrLst>
     <dgm:effectClrLst/>
     <dgm:txLinClrLst/>
@@ -654,10 +600,6 @@
     </dgm:fillClrLst>
     <dgm:linClrLst meth="repeat">
       <a:schemeClr val="accent2"/>
-      <a:schemeClr val="accent3"/>
-      <a:schemeClr val="accent4"/>
-      <a:schemeClr val="accent5"/>
-      <a:schemeClr val="accent6"/>
     </dgm:linClrLst>
     <dgm:effectClrLst/>
     <dgm:txLinClrLst/>
@@ -669,15 +611,11 @@
   <dgm:styleLbl name="trAlignAcc1">
     <dgm:fillClrLst meth="repeat">
       <a:schemeClr val="lt1">
-        <a:alpha val="0"/>
+        <a:alpha val="40000"/>
       </a:schemeClr>
     </dgm:fillClrLst>
     <dgm:linClrLst meth="repeat">
       <a:schemeClr val="accent2"/>
-      <a:schemeClr val="accent3"/>
-      <a:schemeClr val="accent4"/>
-      <a:schemeClr val="accent5"/>
-      <a:schemeClr val="accent6"/>
     </dgm:linClrLst>
     <dgm:effectClrLst/>
     <dgm:txLinClrLst/>
@@ -694,10 +632,6 @@
     </dgm:fillClrLst>
     <dgm:linClrLst meth="repeat">
       <a:schemeClr val="accent2"/>
-      <a:schemeClr val="accent3"/>
-      <a:schemeClr val="accent4"/>
-      <a:schemeClr val="accent5"/>
-      <a:schemeClr val="accent6"/>
     </dgm:linClrLst>
     <dgm:effectClrLst/>
     <dgm:txLinClrLst/>
@@ -712,10 +646,6 @@
     </dgm:fillClrLst>
     <dgm:linClrLst meth="repeat">
       <a:schemeClr val="accent2"/>
-      <a:schemeClr val="accent3"/>
-      <a:schemeClr val="accent4"/>
-      <a:schemeClr val="accent5"/>
-      <a:schemeClr val="accent6"/>
     </dgm:linClrLst>
     <dgm:effectClrLst/>
     <dgm:txLinClrLst/>
@@ -730,10 +660,6 @@
     </dgm:fillClrLst>
     <dgm:linClrLst meth="repeat">
       <a:schemeClr val="accent2"/>
-      <a:schemeClr val="accent3"/>
-      <a:schemeClr val="accent4"/>
-      <a:schemeClr val="accent5"/>
-      <a:schemeClr val="accent6"/>
     </dgm:linClrLst>
     <dgm:effectClrLst/>
     <dgm:txLinClrLst/>
@@ -748,10 +674,6 @@
     </dgm:fillClrLst>
     <dgm:linClrLst meth="repeat">
       <a:schemeClr val="accent2"/>
-      <a:schemeClr val="accent3"/>
-      <a:schemeClr val="accent4"/>
-      <a:schemeClr val="accent5"/>
-      <a:schemeClr val="accent6"/>
     </dgm:linClrLst>
     <dgm:effectClrLst/>
     <dgm:txLinClrLst/>
@@ -763,46 +685,14 @@
   <dgm:styleLbl name="fgAccFollowNode1">
     <dgm:fillClrLst meth="repeat">
       <a:schemeClr val="accent2">
+        <a:alpha val="90000"/>
         <a:tint val="40000"/>
-        <a:alpha val="90000"/>
-      </a:schemeClr>
-      <a:schemeClr val="accent3">
-        <a:tint val="40000"/>
-        <a:alpha val="90000"/>
-      </a:schemeClr>
-      <a:schemeClr val="accent4">
-        <a:tint val="40000"/>
-        <a:alpha val="90000"/>
-      </a:schemeClr>
-      <a:schemeClr val="accent5">
-        <a:tint val="40000"/>
-        <a:alpha val="90000"/>
-      </a:schemeClr>
-      <a:schemeClr val="accent6">
-        <a:tint val="40000"/>
-        <a:alpha val="90000"/>
       </a:schemeClr>
     </dgm:fillClrLst>
     <dgm:linClrLst meth="repeat">
       <a:schemeClr val="accent2">
+        <a:alpha val="90000"/>
         <a:tint val="40000"/>
-        <a:alpha val="90000"/>
-      </a:schemeClr>
-      <a:schemeClr val="accent3">
-        <a:tint val="40000"/>
-        <a:alpha val="90000"/>
-      </a:schemeClr>
-      <a:schemeClr val="accent4">
-        <a:tint val="40000"/>
-        <a:alpha val="90000"/>
-      </a:schemeClr>
-      <a:schemeClr val="accent5">
-        <a:tint val="40000"/>
-        <a:alpha val="90000"/>
-      </a:schemeClr>
-      <a:schemeClr val="accent6">
-        <a:tint val="40000"/>
-        <a:alpha val="90000"/>
       </a:schemeClr>
     </dgm:linClrLst>
     <dgm:effectClrLst/>
@@ -815,46 +705,14 @@
   <dgm:styleLbl name="alignAccFollowNode1">
     <dgm:fillClrLst meth="repeat">
       <a:schemeClr val="accent2">
+        <a:alpha val="90000"/>
         <a:tint val="40000"/>
-        <a:alpha val="90000"/>
-      </a:schemeClr>
-      <a:schemeClr val="accent3">
-        <a:tint val="40000"/>
-        <a:alpha val="90000"/>
-      </a:schemeClr>
-      <a:schemeClr val="accent4">
-        <a:tint val="40000"/>
-        <a:alpha val="90000"/>
-      </a:schemeClr>
-      <a:schemeClr val="accent5">
-        <a:tint val="40000"/>
-        <a:alpha val="90000"/>
-      </a:schemeClr>
-      <a:schemeClr val="accent6">
-        <a:tint val="40000"/>
-        <a:alpha val="90000"/>
       </a:schemeClr>
     </dgm:fillClrLst>
     <dgm:linClrLst meth="repeat">
       <a:schemeClr val="accent2">
+        <a:alpha val="90000"/>
         <a:tint val="40000"/>
-        <a:alpha val="90000"/>
-      </a:schemeClr>
-      <a:schemeClr val="accent3">
-        <a:tint val="40000"/>
-        <a:alpha val="90000"/>
-      </a:schemeClr>
-      <a:schemeClr val="accent4">
-        <a:tint val="40000"/>
-        <a:alpha val="90000"/>
-      </a:schemeClr>
-      <a:schemeClr val="accent5">
-        <a:tint val="40000"/>
-        <a:alpha val="90000"/>
-      </a:schemeClr>
-      <a:schemeClr val="accent6">
-        <a:tint val="40000"/>
-        <a:alpha val="90000"/>
       </a:schemeClr>
     </dgm:linClrLst>
     <dgm:effectClrLst/>
@@ -867,46 +725,14 @@
   <dgm:styleLbl name="bgAccFollowNode1">
     <dgm:fillClrLst meth="repeat">
       <a:schemeClr val="accent2">
+        <a:alpha val="90000"/>
         <a:tint val="40000"/>
-        <a:alpha val="90000"/>
-      </a:schemeClr>
-      <a:schemeClr val="accent3">
-        <a:tint val="40000"/>
-        <a:alpha val="90000"/>
-      </a:schemeClr>
-      <a:schemeClr val="accent4">
-        <a:tint val="40000"/>
-        <a:alpha val="90000"/>
-      </a:schemeClr>
-      <a:schemeClr val="accent5">
-        <a:tint val="40000"/>
-        <a:alpha val="90000"/>
-      </a:schemeClr>
-      <a:schemeClr val="accent6">
-        <a:tint val="40000"/>
-        <a:alpha val="90000"/>
       </a:schemeClr>
     </dgm:fillClrLst>
     <dgm:linClrLst meth="repeat">
       <a:schemeClr val="accent2">
+        <a:alpha val="90000"/>
         <a:tint val="40000"/>
-        <a:alpha val="90000"/>
-      </a:schemeClr>
-      <a:schemeClr val="accent3">
-        <a:tint val="40000"/>
-        <a:alpha val="90000"/>
-      </a:schemeClr>
-      <a:schemeClr val="accent4">
-        <a:tint val="40000"/>
-        <a:alpha val="90000"/>
-      </a:schemeClr>
-      <a:schemeClr val="accent5">
-        <a:tint val="40000"/>
-        <a:alpha val="90000"/>
-      </a:schemeClr>
-      <a:schemeClr val="accent6">
-        <a:tint val="40000"/>
-        <a:alpha val="90000"/>
       </a:schemeClr>
     </dgm:linClrLst>
     <dgm:effectClrLst/>
@@ -922,8 +748,8 @@
         <a:alpha val="90000"/>
       </a:schemeClr>
     </dgm:fillClrLst>
-    <dgm:linClrLst>
-      <a:schemeClr val="accent1"/>
+    <dgm:linClrLst meth="repeat">
+      <a:schemeClr val="accent2"/>
     </dgm:linClrLst>
     <dgm:effectClrLst/>
     <dgm:txLinClrLst/>
@@ -938,7 +764,7 @@
         <a:alpha val="90000"/>
       </a:schemeClr>
     </dgm:fillClrLst>
-    <dgm:linClrLst>
+    <dgm:linClrLst meth="repeat">
       <a:schemeClr val="accent2"/>
     </dgm:linClrLst>
     <dgm:effectClrLst/>
@@ -954,8 +780,8 @@
         <a:alpha val="90000"/>
       </a:schemeClr>
     </dgm:fillClrLst>
-    <dgm:linClrLst>
-      <a:schemeClr val="accent3"/>
+    <dgm:linClrLst meth="repeat">
+      <a:schemeClr val="accent2"/>
     </dgm:linClrLst>
     <dgm:effectClrLst/>
     <dgm:txLinClrLst/>
@@ -970,8 +796,8 @@
         <a:alpha val="90000"/>
       </a:schemeClr>
     </dgm:fillClrLst>
-    <dgm:linClrLst>
-      <a:schemeClr val="accent4"/>
+    <dgm:linClrLst meth="repeat">
+      <a:schemeClr val="accent2"/>
     </dgm:linClrLst>
     <dgm:effectClrLst/>
     <dgm:txLinClrLst/>
@@ -982,30 +808,28 @@
   </dgm:styleLbl>
   <dgm:styleLbl name="bgShp">
     <dgm:fillClrLst meth="repeat">
-      <a:schemeClr val="accent2"/>
-      <a:schemeClr val="accent3"/>
-      <a:schemeClr val="accent4"/>
-      <a:schemeClr val="accent5"/>
-      <a:schemeClr val="accent6"/>
+      <a:schemeClr val="bg1">
+        <a:lumMod val="95000"/>
+      </a:schemeClr>
     </dgm:fillClrLst>
     <dgm:linClrLst meth="repeat">
-      <a:schemeClr val="lt1">
-        <a:alpha val="0"/>
-      </a:schemeClr>
+      <a:schemeClr val="accent2"/>
     </dgm:linClrLst>
     <dgm:effectClrLst/>
     <dgm:txLinClrLst/>
-    <dgm:txFillClrLst/>
+    <dgm:txFillClrLst meth="repeat">
+      <a:schemeClr val="dk1"/>
+    </dgm:txFillClrLst>
     <dgm:txEffectClrLst/>
   </dgm:styleLbl>
   <dgm:styleLbl name="dkBgShp">
     <dgm:fillClrLst meth="repeat">
       <a:schemeClr val="accent2">
-        <a:shade val="90000"/>
+        <a:shade val="80000"/>
       </a:schemeClr>
     </dgm:fillClrLst>
     <dgm:linClrLst meth="repeat">
-      <a:schemeClr val="dk1"/>
+      <a:schemeClr val="accent2"/>
     </dgm:linClrLst>
     <dgm:effectClrLst/>
     <dgm:txLinClrLst/>
@@ -1016,7 +840,7 @@
   </dgm:styleLbl>
   <dgm:styleLbl name="trBgShp">
     <dgm:fillClrLst meth="repeat">
-      <a:schemeClr val="accent1">
+      <a:schemeClr val="accent2">
         <a:tint val="50000"/>
         <a:alpha val="40000"/>
       </a:schemeClr>
@@ -1034,7 +858,7 @@
   <dgm:styleLbl name="fgShp">
     <dgm:fillClrLst meth="repeat">
       <a:schemeClr val="accent2">
-        <a:tint val="40000"/>
+        <a:tint val="60000"/>
       </a:schemeClr>
     </dgm:fillClrLst>
     <dgm:linClrLst meth="repeat">
@@ -1049,23 +873,19 @@
   </dgm:styleLbl>
   <dgm:styleLbl name="revTx">
     <dgm:fillClrLst meth="repeat">
-      <a:schemeClr val="accent2">
+      <a:schemeClr val="lt1">
         <a:alpha val="0"/>
       </a:schemeClr>
     </dgm:fillClrLst>
     <dgm:linClrLst meth="repeat">
-      <a:schemeClr val="accent2">
+      <a:schemeClr val="dk1">
         <a:alpha val="0"/>
       </a:schemeClr>
     </dgm:linClrLst>
     <dgm:effectClrLst/>
     <dgm:txLinClrLst/>
     <dgm:txFillClrLst meth="repeat">
-      <a:schemeClr val="accent2"/>
-      <a:schemeClr val="accent3"/>
-      <a:schemeClr val="accent4"/>
-      <a:schemeClr val="accent5"/>
-      <a:schemeClr val="accent6"/>
+      <a:schemeClr val="tx1"/>
     </dgm:txFillClrLst>
     <dgm:txEffectClrLst/>
   </dgm:styleLbl>
@@ -1997,7 +1817,7 @@
 <dgm:dataModel xmlns:dgm="http://schemas.openxmlformats.org/drawingml/2006/diagram" xmlns:a="http://schemas.openxmlformats.org/drawingml/2006/main">
   <dgm:ptLst>
     <dgm:pt modelId="{2408BE63-C0A0-4024-B5A6-78F96F2829E9}" type="doc">
-      <dgm:prSet loTypeId="urn:microsoft.com/office/officeart/2018/5/layout/IconCircleLabelList" loCatId="icon" qsTypeId="urn:microsoft.com/office/officeart/2005/8/quickstyle/simple1" qsCatId="simple" csTypeId="urn:microsoft.com/office/officeart/2018/5/colors/Iconchunking_coloredtext_colorful1" csCatId="colorful" phldr="1"/>
+      <dgm:prSet loTypeId="urn:microsoft.com/office/officeart/2018/2/layout/IconLabelList" loCatId="icon" qsTypeId="urn:microsoft.com/office/officeart/2005/8/quickstyle/simple1" qsCatId="simple" csTypeId="urn:microsoft.com/office/officeart/2018/5/colors/Iconchunking_neutralbg_accent2_2" csCatId="accent2" phldr="1"/>
       <dgm:spPr/>
       <dgm:t>
         <a:bodyPr/>
@@ -2014,9 +1834,6 @@
         <a:bodyPr/>
         <a:lstStyle/>
         <a:p>
-          <a:pPr>
-            <a:defRPr cap="all"/>
-          </a:pPr>
           <a:r>
             <a:rPr lang="en-US"/>
             <a:t>YouTube is one of the world’s largest video sharing platforms, where videos are uploading continuously by the millions of users. </a:t>
@@ -2053,9 +1870,6 @@
         <a:bodyPr/>
         <a:lstStyle/>
         <a:p>
-          <a:pPr>
-            <a:defRPr cap="all"/>
-          </a:pPr>
           <a:r>
             <a:rPr lang="en-US"/>
             <a:t>When we search for a speciﬁc video, sometimes irrelevant video appears due to popularity based on likes and views</a:t>
@@ -2092,9 +1906,6 @@
         <a:bodyPr/>
         <a:lstStyle/>
         <a:p>
-          <a:pPr>
-            <a:defRPr cap="all"/>
-          </a:pPr>
           <a:r>
             <a:rPr lang="en-US"/>
             <a:t>Comments play a active role to the actual polarity</a:t>
@@ -2131,9 +1942,6 @@
         <a:bodyPr/>
         <a:lstStyle/>
         <a:p>
-          <a:pPr>
-            <a:defRPr cap="all"/>
-          </a:pPr>
           <a:r>
             <a:rPr lang="en-US"/>
             <a:t>Search results are title and tag based</a:t>
@@ -2163,7 +1971,7 @@
         </a:p>
       </dgm:t>
     </dgm:pt>
-    <dgm:pt modelId="{8493CDB6-32F5-4687-9E0E-BB769ADFD5B7}" type="pres">
+    <dgm:pt modelId="{344BA140-119F-43ED-8785-D322887C6B88}" type="pres">
       <dgm:prSet presAssocID="{2408BE63-C0A0-4024-B5A6-78F96F2829E9}" presName="root" presStyleCnt="0">
         <dgm:presLayoutVars>
           <dgm:dir/>
@@ -2172,15 +1980,11 @@
       </dgm:prSet>
       <dgm:spPr/>
     </dgm:pt>
-    <dgm:pt modelId="{9400A6FC-A93E-4390-AEA7-52512AF353A4}" type="pres">
+    <dgm:pt modelId="{DEA6D255-7688-439D-8E1D-02AEF55A6A13}" type="pres">
       <dgm:prSet presAssocID="{B499BFBA-529D-4860-A3A8-5005BD120310}" presName="compNode" presStyleCnt="0"/>
       <dgm:spPr/>
     </dgm:pt>
-    <dgm:pt modelId="{C395B7E1-0DD3-4171-BD16-2952EE286059}" type="pres">
-      <dgm:prSet presAssocID="{B499BFBA-529D-4860-A3A8-5005BD120310}" presName="iconBgRect" presStyleLbl="bgShp" presStyleIdx="0" presStyleCnt="4"/>
-      <dgm:spPr/>
-    </dgm:pt>
-    <dgm:pt modelId="{0528DBD4-3BA7-4363-A783-E7C6CA3B56B6}" type="pres">
+    <dgm:pt modelId="{605468B2-DEE3-460C-A78B-778D65F28335}" type="pres">
       <dgm:prSet presAssocID="{B499BFBA-529D-4860-A3A8-5005BD120310}" presName="iconRect" presStyleLbl="node1" presStyleIdx="0" presStyleCnt="4"/>
       <dgm:spPr>
         <a:blipFill>
@@ -2208,11 +2012,11 @@
         </a:ext>
       </dgm:extLst>
     </dgm:pt>
-    <dgm:pt modelId="{6625455D-DFDE-484F-8DAB-69D8A88D0026}" type="pres">
+    <dgm:pt modelId="{7F1B0B58-0476-4044-943C-59F734EF0916}" type="pres">
       <dgm:prSet presAssocID="{B499BFBA-529D-4860-A3A8-5005BD120310}" presName="spaceRect" presStyleCnt="0"/>
       <dgm:spPr/>
     </dgm:pt>
-    <dgm:pt modelId="{6AEF340A-7A9F-4E6F-ABC5-2334B443032E}" type="pres">
+    <dgm:pt modelId="{C305C5FB-94AA-4392-84F8-BA4BD55C2CE9}" type="pres">
       <dgm:prSet presAssocID="{B499BFBA-529D-4860-A3A8-5005BD120310}" presName="textRect" presStyleLbl="revTx" presStyleIdx="0" presStyleCnt="4">
         <dgm:presLayoutVars>
           <dgm:chMax val="1"/>
@@ -2221,19 +2025,15 @@
       </dgm:prSet>
       <dgm:spPr/>
     </dgm:pt>
-    <dgm:pt modelId="{ED0355F3-274A-4D3D-B19F-1CF00E4F193F}" type="pres">
+    <dgm:pt modelId="{6D9E7B17-F36E-44EF-97B9-965C362D9A2A}" type="pres">
       <dgm:prSet presAssocID="{DD53165C-D2D4-4498-B36C-922DC52FB428}" presName="sibTrans" presStyleCnt="0"/>
       <dgm:spPr/>
     </dgm:pt>
-    <dgm:pt modelId="{8F7F71CD-570F-4CC3-8882-9675738EE7BF}" type="pres">
+    <dgm:pt modelId="{0A269059-F704-4CDA-B066-ECC8D3CE9EED}" type="pres">
       <dgm:prSet presAssocID="{154BBD8A-BF4D-42C6-8F89-765BD7364A0A}" presName="compNode" presStyleCnt="0"/>
       <dgm:spPr/>
     </dgm:pt>
-    <dgm:pt modelId="{4E7E096D-A974-42E9-BD7E-C4A39C808A75}" type="pres">
-      <dgm:prSet presAssocID="{154BBD8A-BF4D-42C6-8F89-765BD7364A0A}" presName="iconBgRect" presStyleLbl="bgShp" presStyleIdx="1" presStyleCnt="4"/>
-      <dgm:spPr/>
-    </dgm:pt>
-    <dgm:pt modelId="{1026FE5E-D314-415A-AE90-2E6EA497931E}" type="pres">
+    <dgm:pt modelId="{0D98F698-E054-4256-8461-941079C36F61}" type="pres">
       <dgm:prSet presAssocID="{154BBD8A-BF4D-42C6-8F89-765BD7364A0A}" presName="iconRect" presStyleLbl="node1" presStyleIdx="1" presStyleCnt="4"/>
       <dgm:spPr>
         <a:blipFill>
@@ -2261,11 +2061,11 @@
         </a:ext>
       </dgm:extLst>
     </dgm:pt>
-    <dgm:pt modelId="{D4DE5F4C-255E-4700-BB45-B8D25962313C}" type="pres">
+    <dgm:pt modelId="{C3064E1E-95F4-4EFB-AC96-AC5BFB4CA749}" type="pres">
       <dgm:prSet presAssocID="{154BBD8A-BF4D-42C6-8F89-765BD7364A0A}" presName="spaceRect" presStyleCnt="0"/>
       <dgm:spPr/>
     </dgm:pt>
-    <dgm:pt modelId="{C8618876-ADF7-4266-B0D9-170A1B430805}" type="pres">
+    <dgm:pt modelId="{8819A5A3-BFA6-4E55-85E3-8AFD52164019}" type="pres">
       <dgm:prSet presAssocID="{154BBD8A-BF4D-42C6-8F89-765BD7364A0A}" presName="textRect" presStyleLbl="revTx" presStyleIdx="1" presStyleCnt="4">
         <dgm:presLayoutVars>
           <dgm:chMax val="1"/>
@@ -2274,19 +2074,15 @@
       </dgm:prSet>
       <dgm:spPr/>
     </dgm:pt>
-    <dgm:pt modelId="{A976FBB1-9C7E-44D7-89EC-52F830DD2088}" type="pres">
+    <dgm:pt modelId="{74CE63E0-7DD3-4C8F-B04A-24CBFBDDF5BD}" type="pres">
       <dgm:prSet presAssocID="{C5A2B710-364A-4EEE-809B-F66AA99985F5}" presName="sibTrans" presStyleCnt="0"/>
       <dgm:spPr/>
     </dgm:pt>
-    <dgm:pt modelId="{D7AA306A-995D-4A50-B780-4EE2821DC666}" type="pres">
+    <dgm:pt modelId="{04B1A120-84E3-4770-84BD-A16E3A238DB4}" type="pres">
       <dgm:prSet presAssocID="{DA2C1A31-F581-4423-85AE-9F4D7DD67441}" presName="compNode" presStyleCnt="0"/>
       <dgm:spPr/>
     </dgm:pt>
-    <dgm:pt modelId="{E5F8FB8C-8C0A-489D-87D0-43109C8E7DC5}" type="pres">
-      <dgm:prSet presAssocID="{DA2C1A31-F581-4423-85AE-9F4D7DD67441}" presName="iconBgRect" presStyleLbl="bgShp" presStyleIdx="2" presStyleCnt="4"/>
-      <dgm:spPr/>
-    </dgm:pt>
-    <dgm:pt modelId="{E2672C31-C861-4804-950B-18B4602E873F}" type="pres">
+    <dgm:pt modelId="{EB73A378-1674-4909-BBA4-C565B7ECD79F}" type="pres">
       <dgm:prSet presAssocID="{DA2C1A31-F581-4423-85AE-9F4D7DD67441}" presName="iconRect" presStyleLbl="node1" presStyleIdx="2" presStyleCnt="4"/>
       <dgm:spPr>
         <a:blipFill>
@@ -2314,11 +2110,11 @@
         </a:ext>
       </dgm:extLst>
     </dgm:pt>
-    <dgm:pt modelId="{82679AC4-335D-4D95-9A2A-DB731C397810}" type="pres">
+    <dgm:pt modelId="{9FA6EF0E-5B8F-4A77-8B2A-C25F3276C3FA}" type="pres">
       <dgm:prSet presAssocID="{DA2C1A31-F581-4423-85AE-9F4D7DD67441}" presName="spaceRect" presStyleCnt="0"/>
       <dgm:spPr/>
     </dgm:pt>
-    <dgm:pt modelId="{39041F17-AA5F-4F1F-8D1B-2843B1999678}" type="pres">
+    <dgm:pt modelId="{0400F006-B79D-4348-87D9-0BE6D6AE97CA}" type="pres">
       <dgm:prSet presAssocID="{DA2C1A31-F581-4423-85AE-9F4D7DD67441}" presName="textRect" presStyleLbl="revTx" presStyleIdx="2" presStyleCnt="4">
         <dgm:presLayoutVars>
           <dgm:chMax val="1"/>
@@ -2327,19 +2123,15 @@
       </dgm:prSet>
       <dgm:spPr/>
     </dgm:pt>
-    <dgm:pt modelId="{5ADF9ED7-D55D-426F-A0D5-C9E81684ACB0}" type="pres">
+    <dgm:pt modelId="{CC392C12-42F1-4BFD-BC33-4FDB6D8E4F5A}" type="pres">
       <dgm:prSet presAssocID="{711812D7-2075-49BE-BD47-3A756417D5EF}" presName="sibTrans" presStyleCnt="0"/>
       <dgm:spPr/>
     </dgm:pt>
-    <dgm:pt modelId="{5DC0E971-C007-4EA9-AD14-909A972F6931}" type="pres">
+    <dgm:pt modelId="{D96B94B5-43AA-4D03-B84E-8E607D5ECB6E}" type="pres">
       <dgm:prSet presAssocID="{02432CFF-AE75-4D5E-AE43-C35EF23BDD58}" presName="compNode" presStyleCnt="0"/>
       <dgm:spPr/>
     </dgm:pt>
-    <dgm:pt modelId="{4525768C-2AAD-4485-9BA4-2B4C264CCB2E}" type="pres">
-      <dgm:prSet presAssocID="{02432CFF-AE75-4D5E-AE43-C35EF23BDD58}" presName="iconBgRect" presStyleLbl="bgShp" presStyleIdx="3" presStyleCnt="4"/>
-      <dgm:spPr/>
-    </dgm:pt>
-    <dgm:pt modelId="{3C53EC51-380D-487D-84F1-B977DCEEE699}" type="pres">
+    <dgm:pt modelId="{3F822C22-7D70-47D3-837C-F2B3515D5802}" type="pres">
       <dgm:prSet presAssocID="{02432CFF-AE75-4D5E-AE43-C35EF23BDD58}" presName="iconRect" presStyleLbl="node1" presStyleIdx="3" presStyleCnt="4"/>
       <dgm:spPr>
         <a:blipFill>
@@ -2367,11 +2159,11 @@
         </a:ext>
       </dgm:extLst>
     </dgm:pt>
-    <dgm:pt modelId="{9F829914-E360-4A7A-9CC7-80D970666CA9}" type="pres">
+    <dgm:pt modelId="{936E209A-B5AC-4DBC-A072-291E8E025A23}" type="pres">
       <dgm:prSet presAssocID="{02432CFF-AE75-4D5E-AE43-C35EF23BDD58}" presName="spaceRect" presStyleCnt="0"/>
       <dgm:spPr/>
     </dgm:pt>
-    <dgm:pt modelId="{7F6DE6B6-27BB-45CD-B623-60A9DACA3FE9}" type="pres">
+    <dgm:pt modelId="{2BC6F52B-082A-437A-8FEE-675FFA91885F}" type="pres">
       <dgm:prSet presAssocID="{02432CFF-AE75-4D5E-AE43-C35EF23BDD58}" presName="textRect" presStyleLbl="revTx" presStyleIdx="3" presStyleCnt="4">
         <dgm:presLayoutVars>
           <dgm:chMax val="1"/>
@@ -2383,43 +2175,42 @@
   </dgm:ptLst>
   <dgm:cxnLst>
     <dgm:cxn modelId="{E916FA0E-91AC-401C-AC70-406F6A117EE4}" srcId="{2408BE63-C0A0-4024-B5A6-78F96F2829E9}" destId="{02432CFF-AE75-4D5E-AE43-C35EF23BDD58}" srcOrd="3" destOrd="0" parTransId="{DC6F3753-A52E-4686-928C-1A452509BEDC}" sibTransId="{0086AD53-693A-44E4-B883-6F15D8AC89B8}"/>
-    <dgm:cxn modelId="{AFD48045-56AF-4497-B9AF-4D863AD0C635}" type="presOf" srcId="{DA2C1A31-F581-4423-85AE-9F4D7DD67441}" destId="{39041F17-AA5F-4F1F-8D1B-2843B1999678}" srcOrd="0" destOrd="0" presId="urn:microsoft.com/office/officeart/2018/5/layout/IconCircleLabelList"/>
     <dgm:cxn modelId="{646CD656-FC74-4C67-8293-9601B07BB537}" srcId="{2408BE63-C0A0-4024-B5A6-78F96F2829E9}" destId="{B499BFBA-529D-4860-A3A8-5005BD120310}" srcOrd="0" destOrd="0" parTransId="{38CB9786-5943-4459-9B50-EE20FF336449}" sibTransId="{DD53165C-D2D4-4498-B36C-922DC52FB428}"/>
-    <dgm:cxn modelId="{9D96768F-4FC3-4CF0-8E39-06B796AA38A7}" type="presOf" srcId="{2408BE63-C0A0-4024-B5A6-78F96F2829E9}" destId="{8493CDB6-32F5-4687-9E0E-BB769ADFD5B7}" srcOrd="0" destOrd="0" presId="urn:microsoft.com/office/officeart/2018/5/layout/IconCircleLabelList"/>
+    <dgm:cxn modelId="{71439060-3E2E-F042-9AE1-87755CDE96F6}" type="presOf" srcId="{2408BE63-C0A0-4024-B5A6-78F96F2829E9}" destId="{344BA140-119F-43ED-8785-D322887C6B88}" srcOrd="0" destOrd="0" presId="urn:microsoft.com/office/officeart/2018/2/layout/IconLabelList"/>
+    <dgm:cxn modelId="{78E3C36B-A1DA-1A4C-82FC-8CE7AE54B856}" type="presOf" srcId="{154BBD8A-BF4D-42C6-8F89-765BD7364A0A}" destId="{8819A5A3-BFA6-4E55-85E3-8AFD52164019}" srcOrd="0" destOrd="0" presId="urn:microsoft.com/office/officeart/2018/2/layout/IconLabelList"/>
+    <dgm:cxn modelId="{51DF1C9C-403E-954A-982A-74A6B8E40F7D}" type="presOf" srcId="{B499BFBA-529D-4860-A3A8-5005BD120310}" destId="{C305C5FB-94AA-4392-84F8-BA4BD55C2CE9}" srcOrd="0" destOrd="0" presId="urn:microsoft.com/office/officeart/2018/2/layout/IconLabelList"/>
     <dgm:cxn modelId="{D520E5B8-1A6E-45BE-9143-16826F762B60}" srcId="{2408BE63-C0A0-4024-B5A6-78F96F2829E9}" destId="{154BBD8A-BF4D-42C6-8F89-765BD7364A0A}" srcOrd="1" destOrd="0" parTransId="{29EAFCB8-5C79-424F-8EDD-F7A8160F977D}" sibTransId="{C5A2B710-364A-4EEE-809B-F66AA99985F5}"/>
+    <dgm:cxn modelId="{FDD438C2-BA54-3048-9322-3880D8142CA9}" type="presOf" srcId="{02432CFF-AE75-4D5E-AE43-C35EF23BDD58}" destId="{2BC6F52B-082A-437A-8FEE-675FFA91885F}" srcOrd="0" destOrd="0" presId="urn:microsoft.com/office/officeart/2018/2/layout/IconLabelList"/>
     <dgm:cxn modelId="{0F38CCC9-ACB4-48CF-AE7A-76CFB55046AD}" srcId="{2408BE63-C0A0-4024-B5A6-78F96F2829E9}" destId="{DA2C1A31-F581-4423-85AE-9F4D7DD67441}" srcOrd="2" destOrd="0" parTransId="{4D555538-83FF-4CB5-AA8D-F122EB2BAD30}" sibTransId="{711812D7-2075-49BE-BD47-3A756417D5EF}"/>
-    <dgm:cxn modelId="{48EFA0EC-8D29-40DE-BB0B-3326E0EC93C9}" type="presOf" srcId="{02432CFF-AE75-4D5E-AE43-C35EF23BDD58}" destId="{7F6DE6B6-27BB-45CD-B623-60A9DACA3FE9}" srcOrd="0" destOrd="0" presId="urn:microsoft.com/office/officeart/2018/5/layout/IconCircleLabelList"/>
-    <dgm:cxn modelId="{98FA5AFA-5E05-40C7-B15D-CDEF1E3A89A8}" type="presOf" srcId="{154BBD8A-BF4D-42C6-8F89-765BD7364A0A}" destId="{C8618876-ADF7-4266-B0D9-170A1B430805}" srcOrd="0" destOrd="0" presId="urn:microsoft.com/office/officeart/2018/5/layout/IconCircleLabelList"/>
-    <dgm:cxn modelId="{331ABAFD-96C5-4344-BE6D-D0C6ED054BF9}" type="presOf" srcId="{B499BFBA-529D-4860-A3A8-5005BD120310}" destId="{6AEF340A-7A9F-4E6F-ABC5-2334B443032E}" srcOrd="0" destOrd="0" presId="urn:microsoft.com/office/officeart/2018/5/layout/IconCircleLabelList"/>
-    <dgm:cxn modelId="{506A9539-BDF6-4B9F-A953-91498EFAFF84}" type="presParOf" srcId="{8493CDB6-32F5-4687-9E0E-BB769ADFD5B7}" destId="{9400A6FC-A93E-4390-AEA7-52512AF353A4}" srcOrd="0" destOrd="0" presId="urn:microsoft.com/office/officeart/2018/5/layout/IconCircleLabelList"/>
-    <dgm:cxn modelId="{98AD8577-6498-4B1B-84EB-7023FCC3F0D6}" type="presParOf" srcId="{9400A6FC-A93E-4390-AEA7-52512AF353A4}" destId="{C395B7E1-0DD3-4171-BD16-2952EE286059}" srcOrd="0" destOrd="0" presId="urn:microsoft.com/office/officeart/2018/5/layout/IconCircleLabelList"/>
-    <dgm:cxn modelId="{48A847E8-F516-4213-BB7C-6FA487F29E9F}" type="presParOf" srcId="{9400A6FC-A93E-4390-AEA7-52512AF353A4}" destId="{0528DBD4-3BA7-4363-A783-E7C6CA3B56B6}" srcOrd="1" destOrd="0" presId="urn:microsoft.com/office/officeart/2018/5/layout/IconCircleLabelList"/>
-    <dgm:cxn modelId="{B7C00F70-BFCC-4A21-A5F2-7F25E5F0B308}" type="presParOf" srcId="{9400A6FC-A93E-4390-AEA7-52512AF353A4}" destId="{6625455D-DFDE-484F-8DAB-69D8A88D0026}" srcOrd="2" destOrd="0" presId="urn:microsoft.com/office/officeart/2018/5/layout/IconCircleLabelList"/>
-    <dgm:cxn modelId="{088B4683-D406-4635-BA9F-C0BDB549DE23}" type="presParOf" srcId="{9400A6FC-A93E-4390-AEA7-52512AF353A4}" destId="{6AEF340A-7A9F-4E6F-ABC5-2334B443032E}" srcOrd="3" destOrd="0" presId="urn:microsoft.com/office/officeart/2018/5/layout/IconCircleLabelList"/>
-    <dgm:cxn modelId="{64E29BC7-F103-4BA2-BB9E-DAA69A9D7297}" type="presParOf" srcId="{8493CDB6-32F5-4687-9E0E-BB769ADFD5B7}" destId="{ED0355F3-274A-4D3D-B19F-1CF00E4F193F}" srcOrd="1" destOrd="0" presId="urn:microsoft.com/office/officeart/2018/5/layout/IconCircleLabelList"/>
-    <dgm:cxn modelId="{A206E866-FDCB-40A8-AAC9-344F40F540DF}" type="presParOf" srcId="{8493CDB6-32F5-4687-9E0E-BB769ADFD5B7}" destId="{8F7F71CD-570F-4CC3-8882-9675738EE7BF}" srcOrd="2" destOrd="0" presId="urn:microsoft.com/office/officeart/2018/5/layout/IconCircleLabelList"/>
-    <dgm:cxn modelId="{8475CB6E-B392-4AA5-845B-22AE6322809A}" type="presParOf" srcId="{8F7F71CD-570F-4CC3-8882-9675738EE7BF}" destId="{4E7E096D-A974-42E9-BD7E-C4A39C808A75}" srcOrd="0" destOrd="0" presId="urn:microsoft.com/office/officeart/2018/5/layout/IconCircleLabelList"/>
-    <dgm:cxn modelId="{83AA4B78-DF3C-4685-A653-3017EAF3CB0B}" type="presParOf" srcId="{8F7F71CD-570F-4CC3-8882-9675738EE7BF}" destId="{1026FE5E-D314-415A-AE90-2E6EA497931E}" srcOrd="1" destOrd="0" presId="urn:microsoft.com/office/officeart/2018/5/layout/IconCircleLabelList"/>
-    <dgm:cxn modelId="{2F2200A5-0D15-4AB8-8F98-07714CB2B861}" type="presParOf" srcId="{8F7F71CD-570F-4CC3-8882-9675738EE7BF}" destId="{D4DE5F4C-255E-4700-BB45-B8D25962313C}" srcOrd="2" destOrd="0" presId="urn:microsoft.com/office/officeart/2018/5/layout/IconCircleLabelList"/>
-    <dgm:cxn modelId="{61989B5A-FB87-469E-8DF8-EBC2FD6352DA}" type="presParOf" srcId="{8F7F71CD-570F-4CC3-8882-9675738EE7BF}" destId="{C8618876-ADF7-4266-B0D9-170A1B430805}" srcOrd="3" destOrd="0" presId="urn:microsoft.com/office/officeart/2018/5/layout/IconCircleLabelList"/>
-    <dgm:cxn modelId="{098AF5B9-3600-493F-A98A-3EBE540028D6}" type="presParOf" srcId="{8493CDB6-32F5-4687-9E0E-BB769ADFD5B7}" destId="{A976FBB1-9C7E-44D7-89EC-52F830DD2088}" srcOrd="3" destOrd="0" presId="urn:microsoft.com/office/officeart/2018/5/layout/IconCircleLabelList"/>
-    <dgm:cxn modelId="{C923029F-9240-461B-9E31-DEF518B5384F}" type="presParOf" srcId="{8493CDB6-32F5-4687-9E0E-BB769ADFD5B7}" destId="{D7AA306A-995D-4A50-B780-4EE2821DC666}" srcOrd="4" destOrd="0" presId="urn:microsoft.com/office/officeart/2018/5/layout/IconCircleLabelList"/>
-    <dgm:cxn modelId="{DAFEFE92-090F-484C-918D-7E0E7F579BC6}" type="presParOf" srcId="{D7AA306A-995D-4A50-B780-4EE2821DC666}" destId="{E5F8FB8C-8C0A-489D-87D0-43109C8E7DC5}" srcOrd="0" destOrd="0" presId="urn:microsoft.com/office/officeart/2018/5/layout/IconCircleLabelList"/>
-    <dgm:cxn modelId="{70623C1D-14E2-4F01-B4DF-679B0AC83ABF}" type="presParOf" srcId="{D7AA306A-995D-4A50-B780-4EE2821DC666}" destId="{E2672C31-C861-4804-950B-18B4602E873F}" srcOrd="1" destOrd="0" presId="urn:microsoft.com/office/officeart/2018/5/layout/IconCircleLabelList"/>
-    <dgm:cxn modelId="{5AF36D80-F9FE-4EED-9244-E2A3735FC13B}" type="presParOf" srcId="{D7AA306A-995D-4A50-B780-4EE2821DC666}" destId="{82679AC4-335D-4D95-9A2A-DB731C397810}" srcOrd="2" destOrd="0" presId="urn:microsoft.com/office/officeart/2018/5/layout/IconCircleLabelList"/>
-    <dgm:cxn modelId="{1ECEB0AC-2F07-4209-B5EA-4B0B3C92070D}" type="presParOf" srcId="{D7AA306A-995D-4A50-B780-4EE2821DC666}" destId="{39041F17-AA5F-4F1F-8D1B-2843B1999678}" srcOrd="3" destOrd="0" presId="urn:microsoft.com/office/officeart/2018/5/layout/IconCircleLabelList"/>
-    <dgm:cxn modelId="{38B57570-96EE-49A7-87A9-C81498E0AE3C}" type="presParOf" srcId="{8493CDB6-32F5-4687-9E0E-BB769ADFD5B7}" destId="{5ADF9ED7-D55D-426F-A0D5-C9E81684ACB0}" srcOrd="5" destOrd="0" presId="urn:microsoft.com/office/officeart/2018/5/layout/IconCircleLabelList"/>
-    <dgm:cxn modelId="{5A930BEA-1742-46B7-AE6C-9751ACD388B6}" type="presParOf" srcId="{8493CDB6-32F5-4687-9E0E-BB769ADFD5B7}" destId="{5DC0E971-C007-4EA9-AD14-909A972F6931}" srcOrd="6" destOrd="0" presId="urn:microsoft.com/office/officeart/2018/5/layout/IconCircleLabelList"/>
-    <dgm:cxn modelId="{2637F3AC-F672-4574-83B7-2CDB6DD50A75}" type="presParOf" srcId="{5DC0E971-C007-4EA9-AD14-909A972F6931}" destId="{4525768C-2AAD-4485-9BA4-2B4C264CCB2E}" srcOrd="0" destOrd="0" presId="urn:microsoft.com/office/officeart/2018/5/layout/IconCircleLabelList"/>
-    <dgm:cxn modelId="{6ECE0F60-3586-478E-BE00-459639E09A6A}" type="presParOf" srcId="{5DC0E971-C007-4EA9-AD14-909A972F6931}" destId="{3C53EC51-380D-487D-84F1-B977DCEEE699}" srcOrd="1" destOrd="0" presId="urn:microsoft.com/office/officeart/2018/5/layout/IconCircleLabelList"/>
-    <dgm:cxn modelId="{1CE6BE1D-A0F7-4847-B161-D92926255523}" type="presParOf" srcId="{5DC0E971-C007-4EA9-AD14-909A972F6931}" destId="{9F829914-E360-4A7A-9CC7-80D970666CA9}" srcOrd="2" destOrd="0" presId="urn:microsoft.com/office/officeart/2018/5/layout/IconCircleLabelList"/>
-    <dgm:cxn modelId="{AE91A10A-DFFF-4DD8-93FF-2BF5D466120A}" type="presParOf" srcId="{5DC0E971-C007-4EA9-AD14-909A972F6931}" destId="{7F6DE6B6-27BB-45CD-B623-60A9DACA3FE9}" srcOrd="3" destOrd="0" presId="urn:microsoft.com/office/officeart/2018/5/layout/IconCircleLabelList"/>
+    <dgm:cxn modelId="{ABB888DD-8C95-B74B-B495-99A21B8296C2}" type="presOf" srcId="{DA2C1A31-F581-4423-85AE-9F4D7DD67441}" destId="{0400F006-B79D-4348-87D9-0BE6D6AE97CA}" srcOrd="0" destOrd="0" presId="urn:microsoft.com/office/officeart/2018/2/layout/IconLabelList"/>
+    <dgm:cxn modelId="{4FC430D2-2562-074C-86C6-00D529F59738}" type="presParOf" srcId="{344BA140-119F-43ED-8785-D322887C6B88}" destId="{DEA6D255-7688-439D-8E1D-02AEF55A6A13}" srcOrd="0" destOrd="0" presId="urn:microsoft.com/office/officeart/2018/2/layout/IconLabelList"/>
+    <dgm:cxn modelId="{67860A50-9CFC-AC4D-929C-D9086D6FD25E}" type="presParOf" srcId="{DEA6D255-7688-439D-8E1D-02AEF55A6A13}" destId="{605468B2-DEE3-460C-A78B-778D65F28335}" srcOrd="0" destOrd="0" presId="urn:microsoft.com/office/officeart/2018/2/layout/IconLabelList"/>
+    <dgm:cxn modelId="{86724296-EE63-144A-A539-B695ECE36B2D}" type="presParOf" srcId="{DEA6D255-7688-439D-8E1D-02AEF55A6A13}" destId="{7F1B0B58-0476-4044-943C-59F734EF0916}" srcOrd="1" destOrd="0" presId="urn:microsoft.com/office/officeart/2018/2/layout/IconLabelList"/>
+    <dgm:cxn modelId="{1A92B692-731C-F54F-91AF-76BA34295449}" type="presParOf" srcId="{DEA6D255-7688-439D-8E1D-02AEF55A6A13}" destId="{C305C5FB-94AA-4392-84F8-BA4BD55C2CE9}" srcOrd="2" destOrd="0" presId="urn:microsoft.com/office/officeart/2018/2/layout/IconLabelList"/>
+    <dgm:cxn modelId="{DD68A398-881F-9C4F-A54A-37BD706F9D83}" type="presParOf" srcId="{344BA140-119F-43ED-8785-D322887C6B88}" destId="{6D9E7B17-F36E-44EF-97B9-965C362D9A2A}" srcOrd="1" destOrd="0" presId="urn:microsoft.com/office/officeart/2018/2/layout/IconLabelList"/>
+    <dgm:cxn modelId="{8815ED68-023B-5744-A883-52E37CE09CF9}" type="presParOf" srcId="{344BA140-119F-43ED-8785-D322887C6B88}" destId="{0A269059-F704-4CDA-B066-ECC8D3CE9EED}" srcOrd="2" destOrd="0" presId="urn:microsoft.com/office/officeart/2018/2/layout/IconLabelList"/>
+    <dgm:cxn modelId="{1415A050-1F4E-0E4D-9B0B-43C4C0E926A0}" type="presParOf" srcId="{0A269059-F704-4CDA-B066-ECC8D3CE9EED}" destId="{0D98F698-E054-4256-8461-941079C36F61}" srcOrd="0" destOrd="0" presId="urn:microsoft.com/office/officeart/2018/2/layout/IconLabelList"/>
+    <dgm:cxn modelId="{2769A3B1-A19D-CA40-8EFE-296DA9E0F9B6}" type="presParOf" srcId="{0A269059-F704-4CDA-B066-ECC8D3CE9EED}" destId="{C3064E1E-95F4-4EFB-AC96-AC5BFB4CA749}" srcOrd="1" destOrd="0" presId="urn:microsoft.com/office/officeart/2018/2/layout/IconLabelList"/>
+    <dgm:cxn modelId="{72BE53F4-695B-4443-A2AE-6F7EAB066518}" type="presParOf" srcId="{0A269059-F704-4CDA-B066-ECC8D3CE9EED}" destId="{8819A5A3-BFA6-4E55-85E3-8AFD52164019}" srcOrd="2" destOrd="0" presId="urn:microsoft.com/office/officeart/2018/2/layout/IconLabelList"/>
+    <dgm:cxn modelId="{A8A2A5F7-2CD3-C948-AD86-28318D19354B}" type="presParOf" srcId="{344BA140-119F-43ED-8785-D322887C6B88}" destId="{74CE63E0-7DD3-4C8F-B04A-24CBFBDDF5BD}" srcOrd="3" destOrd="0" presId="urn:microsoft.com/office/officeart/2018/2/layout/IconLabelList"/>
+    <dgm:cxn modelId="{4DD689D2-5656-A141-9AD7-CBF3BE01BC10}" type="presParOf" srcId="{344BA140-119F-43ED-8785-D322887C6B88}" destId="{04B1A120-84E3-4770-84BD-A16E3A238DB4}" srcOrd="4" destOrd="0" presId="urn:microsoft.com/office/officeart/2018/2/layout/IconLabelList"/>
+    <dgm:cxn modelId="{803257FD-C6ED-EA4F-BF36-FA196E494AFF}" type="presParOf" srcId="{04B1A120-84E3-4770-84BD-A16E3A238DB4}" destId="{EB73A378-1674-4909-BBA4-C565B7ECD79F}" srcOrd="0" destOrd="0" presId="urn:microsoft.com/office/officeart/2018/2/layout/IconLabelList"/>
+    <dgm:cxn modelId="{2CF26E21-67F7-194E-903A-CF405E9D9E8C}" type="presParOf" srcId="{04B1A120-84E3-4770-84BD-A16E3A238DB4}" destId="{9FA6EF0E-5B8F-4A77-8B2A-C25F3276C3FA}" srcOrd="1" destOrd="0" presId="urn:microsoft.com/office/officeart/2018/2/layout/IconLabelList"/>
+    <dgm:cxn modelId="{5493BAF7-CC71-E04A-9A45-E08395F9DC44}" type="presParOf" srcId="{04B1A120-84E3-4770-84BD-A16E3A238DB4}" destId="{0400F006-B79D-4348-87D9-0BE6D6AE97CA}" srcOrd="2" destOrd="0" presId="urn:microsoft.com/office/officeart/2018/2/layout/IconLabelList"/>
+    <dgm:cxn modelId="{FC680990-ECC4-554C-9817-9BF84449ED0E}" type="presParOf" srcId="{344BA140-119F-43ED-8785-D322887C6B88}" destId="{CC392C12-42F1-4BFD-BC33-4FDB6D8E4F5A}" srcOrd="5" destOrd="0" presId="urn:microsoft.com/office/officeart/2018/2/layout/IconLabelList"/>
+    <dgm:cxn modelId="{BE860103-5868-344E-8F38-FFB6B47B498C}" type="presParOf" srcId="{344BA140-119F-43ED-8785-D322887C6B88}" destId="{D96B94B5-43AA-4D03-B84E-8E607D5ECB6E}" srcOrd="6" destOrd="0" presId="urn:microsoft.com/office/officeart/2018/2/layout/IconLabelList"/>
+    <dgm:cxn modelId="{3C71B1AC-258E-2242-BE37-030D637441CF}" type="presParOf" srcId="{D96B94B5-43AA-4D03-B84E-8E607D5ECB6E}" destId="{3F822C22-7D70-47D3-837C-F2B3515D5802}" srcOrd="0" destOrd="0" presId="urn:microsoft.com/office/officeart/2018/2/layout/IconLabelList"/>
+    <dgm:cxn modelId="{414124A8-8CAF-644E-8827-99D14410BF4B}" type="presParOf" srcId="{D96B94B5-43AA-4D03-B84E-8E607D5ECB6E}" destId="{936E209A-B5AC-4DBC-A072-291E8E025A23}" srcOrd="1" destOrd="0" presId="urn:microsoft.com/office/officeart/2018/2/layout/IconLabelList"/>
+    <dgm:cxn modelId="{E5CD7146-6766-7D49-86F1-5C58067EB9AB}" type="presParOf" srcId="{D96B94B5-43AA-4D03-B84E-8E607D5ECB6E}" destId="{2BC6F52B-082A-437A-8FEE-675FFA91885F}" srcOrd="2" destOrd="0" presId="urn:microsoft.com/office/officeart/2018/2/layout/IconLabelList"/>
   </dgm:cxnLst>
   <dgm:bg/>
   <dgm:whole/>
   <dgm:extLst>
     <a:ext uri="http://schemas.microsoft.com/office/drawing/2008/diagram">
       <dsp:dataModelExt xmlns:dsp="http://schemas.microsoft.com/office/drawing/2008/diagram" relId="rId11" minVer="http://schemas.openxmlformats.org/drawingml/2006/diagram"/>
+    </a:ext>
+    <a:ext uri="{C62137D5-CB1D-491B-B009-E17868A290BF}">
+      <dgm14:recolorImg xmlns:dgm14="http://schemas.microsoft.com/office/drawing/2010/diagram" val="1"/>
     </a:ext>
   </dgm:extLst>
 </dgm:dataModel>
@@ -2894,10 +2685,10 @@
     <dgm:cxn modelId="{980CF624-E0EC-463B-983A-26611CC44AAA}" srcId="{772D4365-5DBF-483F-AB21-87B3EE9F8AAD}" destId="{AB79A5E3-4013-42D8-8D56-8CFA359273C2}" srcOrd="1" destOrd="0" parTransId="{DB6570E0-E635-4679-98FA-C2C7E003A9D6}" sibTransId="{09BF6BB0-BAA1-4A9D-A8E7-6914DBC8E6C1}"/>
     <dgm:cxn modelId="{C5A8382E-E557-4AB3-9C94-4B5DE1055531}" type="presOf" srcId="{8A15B4ED-D191-4118-A3ED-D6BA622795FA}" destId="{23450DAD-1595-45DA-BE5B-4DFD2B6317B3}" srcOrd="0" destOrd="0" presId="urn:microsoft.com/office/officeart/2018/2/layout/IconVerticalSolidList"/>
     <dgm:cxn modelId="{11CB453F-AF8A-47B9-89D6-697132384345}" type="presOf" srcId="{772D4365-5DBF-483F-AB21-87B3EE9F8AAD}" destId="{2DFCE91A-5F21-4125-A737-27913C3AC42B}" srcOrd="0" destOrd="0" presId="urn:microsoft.com/office/officeart/2018/2/layout/IconVerticalSolidList"/>
+    <dgm:cxn modelId="{9DE7C657-28A8-4C39-8358-8F292DD4E860}" srcId="{772D4365-5DBF-483F-AB21-87B3EE9F8AAD}" destId="{7EA4C704-CC2D-43A1-AD9F-C3185DD04283}" srcOrd="4" destOrd="0" parTransId="{149AE7A2-2FC5-47AF-819A-EBFDCCB646FF}" sibTransId="{A94F4DE2-8AB8-4170-87D1-3DBBF2EFC5DE}"/>
     <dgm:cxn modelId="{77F7E55C-247D-4056-B490-AEBCA31D1F3D}" type="presOf" srcId="{EAF28D7B-5E3F-45FF-BE80-56DEB242BD19}" destId="{DDB5D188-3336-44BF-9157-4B6C574EE0A7}" srcOrd="0" destOrd="0" presId="urn:microsoft.com/office/officeart/2018/2/layout/IconVerticalSolidList"/>
     <dgm:cxn modelId="{34577667-BB53-4B54-8C1A-B4CA273C5939}" type="presOf" srcId="{7EA4C704-CC2D-43A1-AD9F-C3185DD04283}" destId="{FDC82736-9DFB-4D0D-8E60-E65B83911CDC}" srcOrd="0" destOrd="0" presId="urn:microsoft.com/office/officeart/2018/2/layout/IconVerticalSolidList"/>
     <dgm:cxn modelId="{6C2E736C-04B5-433D-8013-33A92A8839E0}" type="presOf" srcId="{E430B580-9D38-4F2F-BB75-C74CA3056AEC}" destId="{1513FE7C-2372-45BD-9418-0466A9F546C9}" srcOrd="0" destOrd="0" presId="urn:microsoft.com/office/officeart/2018/2/layout/IconVerticalSolidList"/>
-    <dgm:cxn modelId="{9DE7C657-28A8-4C39-8358-8F292DD4E860}" srcId="{772D4365-5DBF-483F-AB21-87B3EE9F8AAD}" destId="{7EA4C704-CC2D-43A1-AD9F-C3185DD04283}" srcOrd="4" destOrd="0" parTransId="{149AE7A2-2FC5-47AF-819A-EBFDCCB646FF}" sibTransId="{A94F4DE2-8AB8-4170-87D1-3DBBF2EFC5DE}"/>
     <dgm:cxn modelId="{C5ED4F98-A548-4987-924E-A6BA783B53DC}" srcId="{772D4365-5DBF-483F-AB21-87B3EE9F8AAD}" destId="{8A15B4ED-D191-4118-A3ED-D6BA622795FA}" srcOrd="3" destOrd="0" parTransId="{234F31FA-1149-4EEC-98F8-67A0F6B16FD2}" sibTransId="{D99C583D-12D6-4CF7-B6C3-F864F26AFB5D}"/>
     <dgm:cxn modelId="{80CCECC1-593A-47C9-A1CB-BCCDEAB44C92}" srcId="{772D4365-5DBF-483F-AB21-87B3EE9F8AAD}" destId="{E430B580-9D38-4F2F-BB75-C74CA3056AEC}" srcOrd="0" destOrd="0" parTransId="{FCAD0AE4-9EBB-4407-ABEC-E7D465528093}" sibTransId="{AD5B4A88-08DF-4164-B5F6-EB54DE15B3C6}"/>
     <dgm:cxn modelId="{B187A2D4-5500-44F3-8F19-9FC1793DA961}" srcId="{772D4365-5DBF-483F-AB21-87B3EE9F8AAD}" destId="{EAF28D7B-5E3F-45FF-BE80-56DEB242BD19}" srcOrd="2" destOrd="0" parTransId="{C9C3188A-2869-480E-95AC-D27200D3C273}" sibTransId="{6F8F5A05-2291-45AC-BA07-7ABCC81D2E62}"/>
@@ -2950,54 +2741,15 @@
       <dsp:cNvGrpSpPr/>
     </dsp:nvGrpSpPr>
     <dsp:grpSpPr/>
-    <dsp:sp modelId="{C395B7E1-0DD3-4171-BD16-2952EE286059}">
+    <dsp:sp modelId="{605468B2-DEE3-460C-A78B-778D65F28335}">
       <dsp:nvSpPr>
         <dsp:cNvPr id="0" name=""/>
         <dsp:cNvSpPr/>
       </dsp:nvSpPr>
       <dsp:spPr>
         <a:xfrm>
-          <a:off x="326605" y="211037"/>
-          <a:ext cx="1016507" cy="1016507"/>
-        </a:xfrm>
-        <a:prstGeom prst="ellipse">
-          <a:avLst/>
-        </a:prstGeom>
-        <a:solidFill>
-          <a:schemeClr val="accent2">
-            <a:hueOff val="0"/>
-            <a:satOff val="0"/>
-            <a:lumOff val="0"/>
-            <a:alphaOff val="0"/>
-          </a:schemeClr>
-        </a:solidFill>
-        <a:ln>
-          <a:noFill/>
-        </a:ln>
-        <a:effectLst/>
-      </dsp:spPr>
-      <dsp:style>
-        <a:lnRef idx="0">
-          <a:scrgbClr r="0" g="0" b="0"/>
-        </a:lnRef>
-        <a:fillRef idx="1">
-          <a:scrgbClr r="0" g="0" b="0"/>
-        </a:fillRef>
-        <a:effectRef idx="0">
-          <a:scrgbClr r="0" g="0" b="0"/>
-        </a:effectRef>
-        <a:fontRef idx="minor"/>
-      </dsp:style>
-    </dsp:sp>
-    <dsp:sp modelId="{0528DBD4-3BA7-4363-A783-E7C6CA3B56B6}">
-      <dsp:nvSpPr>
-        <dsp:cNvPr id="0" name=""/>
-        <dsp:cNvSpPr/>
-      </dsp:nvSpPr>
-      <dsp:spPr>
-        <a:xfrm>
-          <a:off x="543237" y="427670"/>
-          <a:ext cx="583242" cy="583242"/>
+          <a:off x="459917" y="425399"/>
+          <a:ext cx="749882" cy="749882"/>
         </a:xfrm>
         <a:prstGeom prst="rect">
           <a:avLst/>
@@ -3038,15 +2790,15 @@
         </a:fontRef>
       </dsp:style>
     </dsp:sp>
-    <dsp:sp modelId="{6AEF340A-7A9F-4E6F-ABC5-2334B443032E}">
+    <dsp:sp modelId="{C305C5FB-94AA-4392-84F8-BA4BD55C2CE9}">
       <dsp:nvSpPr>
         <dsp:cNvPr id="0" name=""/>
         <dsp:cNvSpPr/>
       </dsp:nvSpPr>
       <dsp:spPr>
         <a:xfrm>
-          <a:off x="1655" y="1544162"/>
-          <a:ext cx="1666406" cy="958183"/>
+          <a:off x="1655" y="1454781"/>
+          <a:ext cx="1666406" cy="833203"/>
         </a:xfrm>
         <a:prstGeom prst="rect">
           <a:avLst/>
@@ -3086,7 +2838,6 @@
               <a:spcPct val="35000"/>
             </a:spcAft>
             <a:buNone/>
-            <a:defRPr cap="all"/>
           </a:pPr>
           <a:r>
             <a:rPr lang="en-US" sz="1100" kern="1200"/>
@@ -3095,58 +2846,19 @@
         </a:p>
       </dsp:txBody>
       <dsp:txXfrm>
-        <a:off x="1655" y="1544162"/>
-        <a:ext cx="1666406" cy="958183"/>
+        <a:off x="1655" y="1454781"/>
+        <a:ext cx="1666406" cy="833203"/>
       </dsp:txXfrm>
     </dsp:sp>
-    <dsp:sp modelId="{4E7E096D-A974-42E9-BD7E-C4A39C808A75}">
+    <dsp:sp modelId="{0D98F698-E054-4256-8461-941079C36F61}">
       <dsp:nvSpPr>
         <dsp:cNvPr id="0" name=""/>
         <dsp:cNvSpPr/>
       </dsp:nvSpPr>
       <dsp:spPr>
         <a:xfrm>
-          <a:off x="2284632" y="211037"/>
-          <a:ext cx="1016507" cy="1016507"/>
-        </a:xfrm>
-        <a:prstGeom prst="ellipse">
-          <a:avLst/>
-        </a:prstGeom>
-        <a:solidFill>
-          <a:schemeClr val="accent3">
-            <a:hueOff val="0"/>
-            <a:satOff val="0"/>
-            <a:lumOff val="0"/>
-            <a:alphaOff val="0"/>
-          </a:schemeClr>
-        </a:solidFill>
-        <a:ln>
-          <a:noFill/>
-        </a:ln>
-        <a:effectLst/>
-      </dsp:spPr>
-      <dsp:style>
-        <a:lnRef idx="0">
-          <a:scrgbClr r="0" g="0" b="0"/>
-        </a:lnRef>
-        <a:fillRef idx="1">
-          <a:scrgbClr r="0" g="0" b="0"/>
-        </a:fillRef>
-        <a:effectRef idx="0">
-          <a:scrgbClr r="0" g="0" b="0"/>
-        </a:effectRef>
-        <a:fontRef idx="minor"/>
-      </dsp:style>
-    </dsp:sp>
-    <dsp:sp modelId="{1026FE5E-D314-415A-AE90-2E6EA497931E}">
-      <dsp:nvSpPr>
-        <dsp:cNvPr id="0" name=""/>
-        <dsp:cNvSpPr/>
-      </dsp:nvSpPr>
-      <dsp:spPr>
-        <a:xfrm>
-          <a:off x="2501265" y="427670"/>
-          <a:ext cx="583242" cy="583242"/>
+          <a:off x="2417944" y="425399"/>
+          <a:ext cx="749882" cy="749882"/>
         </a:xfrm>
         <a:prstGeom prst="rect">
           <a:avLst/>
@@ -3187,15 +2899,15 @@
         </a:fontRef>
       </dsp:style>
     </dsp:sp>
-    <dsp:sp modelId="{C8618876-ADF7-4266-B0D9-170A1B430805}">
+    <dsp:sp modelId="{8819A5A3-BFA6-4E55-85E3-8AFD52164019}">
       <dsp:nvSpPr>
         <dsp:cNvPr id="0" name=""/>
         <dsp:cNvSpPr/>
       </dsp:nvSpPr>
       <dsp:spPr>
         <a:xfrm>
-          <a:off x="1959683" y="1544162"/>
-          <a:ext cx="1666406" cy="958183"/>
+          <a:off x="1959683" y="1454781"/>
+          <a:ext cx="1666406" cy="833203"/>
         </a:xfrm>
         <a:prstGeom prst="rect">
           <a:avLst/>
@@ -3235,7 +2947,6 @@
               <a:spcPct val="35000"/>
             </a:spcAft>
             <a:buNone/>
-            <a:defRPr cap="all"/>
           </a:pPr>
           <a:r>
             <a:rPr lang="en-US" sz="1100" kern="1200"/>
@@ -3244,58 +2955,19 @@
         </a:p>
       </dsp:txBody>
       <dsp:txXfrm>
-        <a:off x="1959683" y="1544162"/>
-        <a:ext cx="1666406" cy="958183"/>
+        <a:off x="1959683" y="1454781"/>
+        <a:ext cx="1666406" cy="833203"/>
       </dsp:txXfrm>
     </dsp:sp>
-    <dsp:sp modelId="{E5F8FB8C-8C0A-489D-87D0-43109C8E7DC5}">
+    <dsp:sp modelId="{EB73A378-1674-4909-BBA4-C565B7ECD79F}">
       <dsp:nvSpPr>
         <dsp:cNvPr id="0" name=""/>
         <dsp:cNvSpPr/>
       </dsp:nvSpPr>
       <dsp:spPr>
         <a:xfrm>
-          <a:off x="4242659" y="211037"/>
-          <a:ext cx="1016507" cy="1016507"/>
-        </a:xfrm>
-        <a:prstGeom prst="ellipse">
-          <a:avLst/>
-        </a:prstGeom>
-        <a:solidFill>
-          <a:schemeClr val="accent4">
-            <a:hueOff val="0"/>
-            <a:satOff val="0"/>
-            <a:lumOff val="0"/>
-            <a:alphaOff val="0"/>
-          </a:schemeClr>
-        </a:solidFill>
-        <a:ln>
-          <a:noFill/>
-        </a:ln>
-        <a:effectLst/>
-      </dsp:spPr>
-      <dsp:style>
-        <a:lnRef idx="0">
-          <a:scrgbClr r="0" g="0" b="0"/>
-        </a:lnRef>
-        <a:fillRef idx="1">
-          <a:scrgbClr r="0" g="0" b="0"/>
-        </a:fillRef>
-        <a:effectRef idx="0">
-          <a:scrgbClr r="0" g="0" b="0"/>
-        </a:effectRef>
-        <a:fontRef idx="minor"/>
-      </dsp:style>
-    </dsp:sp>
-    <dsp:sp modelId="{E2672C31-C861-4804-950B-18B4602E873F}">
-      <dsp:nvSpPr>
-        <dsp:cNvPr id="0" name=""/>
-        <dsp:cNvSpPr/>
-      </dsp:nvSpPr>
-      <dsp:spPr>
-        <a:xfrm>
-          <a:off x="4459292" y="427670"/>
-          <a:ext cx="583242" cy="583242"/>
+          <a:off x="4375972" y="425399"/>
+          <a:ext cx="749882" cy="749882"/>
         </a:xfrm>
         <a:prstGeom prst="rect">
           <a:avLst/>
@@ -3336,15 +3008,15 @@
         </a:fontRef>
       </dsp:style>
     </dsp:sp>
-    <dsp:sp modelId="{39041F17-AA5F-4F1F-8D1B-2843B1999678}">
+    <dsp:sp modelId="{0400F006-B79D-4348-87D9-0BE6D6AE97CA}">
       <dsp:nvSpPr>
         <dsp:cNvPr id="0" name=""/>
         <dsp:cNvSpPr/>
       </dsp:nvSpPr>
       <dsp:spPr>
         <a:xfrm>
-          <a:off x="3917710" y="1544162"/>
-          <a:ext cx="1666406" cy="958183"/>
+          <a:off x="3917710" y="1454781"/>
+          <a:ext cx="1666406" cy="833203"/>
         </a:xfrm>
         <a:prstGeom prst="rect">
           <a:avLst/>
@@ -3384,7 +3056,6 @@
               <a:spcPct val="35000"/>
             </a:spcAft>
             <a:buNone/>
-            <a:defRPr cap="all"/>
           </a:pPr>
           <a:r>
             <a:rPr lang="en-US" sz="1100" kern="1200"/>
@@ -3393,58 +3064,19 @@
         </a:p>
       </dsp:txBody>
       <dsp:txXfrm>
-        <a:off x="3917710" y="1544162"/>
-        <a:ext cx="1666406" cy="958183"/>
+        <a:off x="3917710" y="1454781"/>
+        <a:ext cx="1666406" cy="833203"/>
       </dsp:txXfrm>
     </dsp:sp>
-    <dsp:sp modelId="{4525768C-2AAD-4485-9BA4-2B4C264CCB2E}">
+    <dsp:sp modelId="{3F822C22-7D70-47D3-837C-F2B3515D5802}">
       <dsp:nvSpPr>
         <dsp:cNvPr id="0" name=""/>
         <dsp:cNvSpPr/>
       </dsp:nvSpPr>
       <dsp:spPr>
         <a:xfrm>
-          <a:off x="6200687" y="211037"/>
-          <a:ext cx="1016507" cy="1016507"/>
-        </a:xfrm>
-        <a:prstGeom prst="ellipse">
-          <a:avLst/>
-        </a:prstGeom>
-        <a:solidFill>
-          <a:schemeClr val="accent5">
-            <a:hueOff val="0"/>
-            <a:satOff val="0"/>
-            <a:lumOff val="0"/>
-            <a:alphaOff val="0"/>
-          </a:schemeClr>
-        </a:solidFill>
-        <a:ln>
-          <a:noFill/>
-        </a:ln>
-        <a:effectLst/>
-      </dsp:spPr>
-      <dsp:style>
-        <a:lnRef idx="0">
-          <a:scrgbClr r="0" g="0" b="0"/>
-        </a:lnRef>
-        <a:fillRef idx="1">
-          <a:scrgbClr r="0" g="0" b="0"/>
-        </a:fillRef>
-        <a:effectRef idx="0">
-          <a:scrgbClr r="0" g="0" b="0"/>
-        </a:effectRef>
-        <a:fontRef idx="minor"/>
-      </dsp:style>
-    </dsp:sp>
-    <dsp:sp modelId="{3C53EC51-380D-487D-84F1-B977DCEEE699}">
-      <dsp:nvSpPr>
-        <dsp:cNvPr id="0" name=""/>
-        <dsp:cNvSpPr/>
-      </dsp:nvSpPr>
-      <dsp:spPr>
-        <a:xfrm>
-          <a:off x="6417319" y="427670"/>
-          <a:ext cx="583242" cy="583242"/>
+          <a:off x="6333999" y="425399"/>
+          <a:ext cx="749882" cy="749882"/>
         </a:xfrm>
         <a:prstGeom prst="rect">
           <a:avLst/>
@@ -3485,15 +3117,15 @@
         </a:fontRef>
       </dsp:style>
     </dsp:sp>
-    <dsp:sp modelId="{7F6DE6B6-27BB-45CD-B623-60A9DACA3FE9}">
+    <dsp:sp modelId="{2BC6F52B-082A-437A-8FEE-675FFA91885F}">
       <dsp:nvSpPr>
         <dsp:cNvPr id="0" name=""/>
         <dsp:cNvSpPr/>
       </dsp:nvSpPr>
       <dsp:spPr>
         <a:xfrm>
-          <a:off x="5875737" y="1544162"/>
-          <a:ext cx="1666406" cy="958183"/>
+          <a:off x="5875737" y="1454781"/>
+          <a:ext cx="1666406" cy="833203"/>
         </a:xfrm>
         <a:prstGeom prst="rect">
           <a:avLst/>
@@ -3533,7 +3165,6 @@
               <a:spcPct val="35000"/>
             </a:spcAft>
             <a:buNone/>
-            <a:defRPr cap="all"/>
           </a:pPr>
           <a:r>
             <a:rPr lang="en-US" sz="1100" kern="1200"/>
@@ -3542,8 +3173,8 @@
         </a:p>
       </dsp:txBody>
       <dsp:txXfrm>
-        <a:off x="5875737" y="1544162"/>
-        <a:ext cx="1666406" cy="958183"/>
+        <a:off x="5875737" y="1454781"/>
+        <a:ext cx="1666406" cy="833203"/>
       </dsp:txXfrm>
     </dsp:sp>
   </dsp:spTree>
@@ -4318,8 +3949,8 @@
 </file>
 
 <file path=ppt/diagrams/layout1.xml><?xml version="1.0" encoding="utf-8"?>
-<dgm:layoutDef xmlns:dgm="http://schemas.openxmlformats.org/drawingml/2006/diagram" xmlns:a="http://schemas.openxmlformats.org/drawingml/2006/main" uniqueId="urn:microsoft.com/office/officeart/2018/5/layout/IconCircleLabelList">
-  <dgm:title val="Icon Circle Label List"/>
+<dgm:layoutDef xmlns:dgm="http://schemas.openxmlformats.org/drawingml/2006/diagram" xmlns:a="http://schemas.openxmlformats.org/drawingml/2006/main" uniqueId="urn:microsoft.com/office/officeart/2018/2/layout/IconLabelList">
+  <dgm:title val="Icon Label List"/>
   <dgm:desc val="Use to show non-sequential or grouped chunks of information accompanied by a related visuals. Works best with icons or small pictures with short text captions."/>
   <dgm:catLst>
     <dgm:cat type="icon" pri="500"/>
@@ -4380,37 +4011,26 @@
       <dgm:if name="Name4" axis="ch" ptType="node" func="cnt" op="lte" val="2">
         <dgm:constrLst>
           <dgm:constr type="h" for="ch" forName="compNode" refType="h" fact="0.4"/>
-          <dgm:constr type="w" for="ch" forName="compNode" val="100"/>
+          <dgm:constr type="w" for="ch" forName="compNode" val="120"/>
           <dgm:constr type="w" for="ch" forName="sibTrans" refType="w" refFor="ch" refForName="compNode" fact="0.175"/>
           <dgm:constr type="sp" refType="w" refFor="ch" refForName="compNode" op="equ" fact="0.25"/>
-          <dgm:constr type="primFontSz" for="des" ptType="node" op="equ" val="44"/>
+          <dgm:constr type="primFontSz" for="des" ptType="node" op="equ" val="50"/>
           <dgm:constr type="h" for="des" forName="compNode" op="equ"/>
           <dgm:constr type="h" for="des" forName="textRect" op="equ"/>
         </dgm:constrLst>
       </dgm:if>
-      <dgm:if name="Name5" axis="ch" ptType="node" func="cnt" op="lte" val="3">
-        <dgm:constrLst>
-          <dgm:constr type="h" for="ch" forName="compNode" refType="h" fact="0.4"/>
-          <dgm:constr type="w" for="ch" forName="compNode" val="100"/>
-          <dgm:constr type="w" for="ch" forName="sibTrans" refType="w" refFor="ch" refForName="compNode" fact="0.175"/>
-          <dgm:constr type="sp" refType="w" refFor="ch" refForName="compNode" op="equ" fact="0.25"/>
-          <dgm:constr type="primFontSz" for="des" ptType="node" op="equ" val="40"/>
-          <dgm:constr type="h" for="des" forName="compNode" op="equ"/>
-          <dgm:constr type="h" for="des" forName="textRect" op="equ"/>
-        </dgm:constrLst>
-      </dgm:if>
-      <dgm:if name="Name6" axis="ch" ptType="node" func="cnt" op="lte" val="4">
+      <dgm:if name="Name5" axis="ch" ptType="node" func="cnt" op="lte" val="4">
         <dgm:constrLst>
           <dgm:constr type="h" for="ch" forName="compNode" refType="h" fact="0.4"/>
           <dgm:constr type="w" for="ch" forName="compNode" refType="w"/>
           <dgm:constr type="w" for="ch" forName="sibTrans" refType="w" refFor="ch" refForName="compNode" fact="0.175"/>
           <dgm:constr type="sp" refType="w" refFor="ch" refForName="compNode" op="equ" fact="0.25"/>
-          <dgm:constr type="primFontSz" for="des" ptType="node" op="equ" val="32"/>
+          <dgm:constr type="primFontSz" for="des" ptType="node" op="equ" val="36"/>
           <dgm:constr type="h" for="des" forName="compNode" op="equ"/>
           <dgm:constr type="h" for="des" forName="textRect" op="equ"/>
         </dgm:constrLst>
       </dgm:if>
-      <dgm:else name="Name7">
+      <dgm:else name="Name6">
         <dgm:constrLst>
           <dgm:constr type="h" for="ch" forName="compNode" refType="h" fact="0.4"/>
           <dgm:constr type="w" for="ch" forName="compNode" refType="w"/>
@@ -4425,7 +4045,7 @@
     <dgm:ruleLst>
       <dgm:rule type="w" for="ch" forName="compNode" val="50" fact="NaN" max="NaN"/>
     </dgm:ruleLst>
-    <dgm:forEach name="Name8" axis="ch" ptType="node">
+    <dgm:forEach name="Name7" axis="ch" ptType="node">
       <dgm:layoutNode name="compNode">
         <dgm:alg type="composite"/>
         <dgm:shape xmlns:r="http://schemas.openxmlformats.org/officeDocument/2006/relationships" r:blip="">
@@ -4433,18 +4053,14 @@
         </dgm:shape>
         <dgm:presOf axis="self"/>
         <dgm:constrLst>
-          <dgm:constr type="w" for="ch" forName="iconBgRect" refType="w" fact="0.61"/>
-          <dgm:constr type="h" for="ch" forName="iconBgRect" refType="w" refFor="ch" refForName="iconBgRect"/>
-          <dgm:constr type="t" for="ch" forName="iconBgRect"/>
-          <dgm:constr type="ctrX" for="ch" forName="iconBgRect" refType="w" fact="0.5"/>
-          <dgm:constr type="w" for="ch" forName="iconRect" refType="w" fact="0.35"/>
+          <dgm:constr type="w" for="ch" forName="iconRect" refType="w" fact="0.45"/>
           <dgm:constr type="h" for="ch" forName="iconRect" refType="w" refFor="ch" refForName="iconRect"/>
-          <dgm:constr type="ctrX" for="ch" forName="iconRect" refType="ctrX" refFor="ch" refForName="iconBgRect"/>
-          <dgm:constr type="ctrY" for="ch" forName="iconRect" refType="ctrY" refFor="ch" refForName="iconBgRect"/>
-          <dgm:constr type="h" for="ch" forName="spaceRect" refType="w" fact="0.19"/>
+          <dgm:constr type="ctrX" for="ch" forName="iconRect" refType="w" fact="0.5"/>
+          <dgm:constr type="t" for="ch" forName="iconRect"/>
+          <dgm:constr type="h" for="ch" forName="spaceRect" refType="h" fact="0.15"/>
           <dgm:constr type="w" for="ch" forName="spaceRect" refType="w"/>
           <dgm:constr type="l" for="ch" forName="spaceRect"/>
-          <dgm:constr type="t" for="ch" forName="spaceRect" refType="b" refFor="ch" refForName="iconBgRect"/>
+          <dgm:constr type="t" for="ch" forName="spaceRect" refType="b" refFor="ch" refForName="iconRect"/>
           <dgm:constr type="h" for="ch" forName="textRect" val="20"/>
           <dgm:constr type="w" for="ch" forName="textRect" refType="w"/>
           <dgm:constr type="l" for="ch" forName="textRect"/>
@@ -4453,15 +4069,6 @@
         <dgm:ruleLst>
           <dgm:rule type="h" val="INF" fact="NaN" max="NaN"/>
         </dgm:ruleLst>
-        <dgm:layoutNode name="iconBgRect" styleLbl="bgShp">
-          <dgm:alg type="sp"/>
-          <dgm:shape xmlns:r="http://schemas.openxmlformats.org/officeDocument/2006/relationships" type="ellipse" r:blip="">
-            <dgm:adjLst/>
-          </dgm:shape>
-          <dgm:presOf/>
-          <dgm:constrLst/>
-          <dgm:ruleLst/>
-        </dgm:layoutNode>
         <dgm:layoutNode name="iconRect" styleLbl="node1">
           <dgm:alg type="sp"/>
           <dgm:shape xmlns:r="http://schemas.openxmlformats.org/officeDocument/2006/relationships" type="rect" r:blip="" blipPhldr="1">
@@ -4504,7 +4111,7 @@
           </dgm:ruleLst>
         </dgm:layoutNode>
       </dgm:layoutNode>
-      <dgm:forEach name="Name9" axis="followSib" ptType="sibTrans" cnt="1">
+      <dgm:forEach name="Name8" axis="followSib" ptType="sibTrans" cnt="1">
         <dgm:layoutNode name="sibTrans">
           <dgm:alg type="sp"/>
           <dgm:shape xmlns:r="http://schemas.openxmlformats.org/officeDocument/2006/relationships" r:blip="">
@@ -4524,7 +4131,6 @@
           <a:lnSpc>
             <a:spcPct val="100000"/>
           </a:lnSpc>
-          <a:defRPr cap="all"/>
         </a:lvl1pPr>
       </dgm1612:lstStyle>
     </a:ext>
@@ -7533,10 +7139,9 @@
               <a:buAutoNum type="arabicPeriod"/>
             </a:pPr>
             <a:r>
-              <a:rPr lang="en"/>
-              <a:t>We have removed punctuation marks, numbers and special characters using regular expression</a:t>
+              <a:rPr lang="en" dirty="0"/>
+              <a:t>As part of data preprocessing</a:t>
             </a:r>
-            <a:endParaRPr/>
           </a:p>
           <a:p>
             <a:pPr marL="457200" lvl="0" indent="-298450" algn="l" rtl="0">
@@ -7550,10 +7155,10 @@
               <a:buAutoNum type="arabicPeriod"/>
             </a:pPr>
             <a:r>
-              <a:rPr lang="en"/>
-              <a:t>Short words - words with length less 3 are also removed as they will mostly be stop words or abbreviations	</a:t>
+              <a:rPr lang="en" dirty="0"/>
+              <a:t>We have removed punctuation marks, numbers and special characters using regular expression</a:t>
             </a:r>
-            <a:endParaRPr/>
+            <a:endParaRPr dirty="0"/>
           </a:p>
           <a:p>
             <a:pPr marL="457200" lvl="0" indent="-298450" algn="l" rtl="0">
@@ -7567,10 +7172,10 @@
               <a:buAutoNum type="arabicPeriod"/>
             </a:pPr>
             <a:r>
-              <a:rPr lang="en"/>
-              <a:t>Lowercase - made the text case insensitive for consistent processing</a:t>
+              <a:rPr lang="en" dirty="0"/>
+              <a:t>Short words - words with length less 3 are also removed as they will mostly be stop words or abbreviations	</a:t>
             </a:r>
-            <a:endParaRPr/>
+            <a:endParaRPr dirty="0"/>
           </a:p>
           <a:p>
             <a:pPr marL="457200" lvl="0" indent="-298450" algn="l" rtl="0">
@@ -7584,7 +7189,24 @@
               <a:buAutoNum type="arabicPeriod"/>
             </a:pPr>
             <a:r>
-              <a:rPr lang="en" sz="1200">
+              <a:rPr lang="en" dirty="0"/>
+              <a:t>Lowercase - made the text case insensitive for consistent processing</a:t>
+            </a:r>
+            <a:endParaRPr dirty="0"/>
+          </a:p>
+          <a:p>
+            <a:pPr marL="457200" lvl="0" indent="-298450" algn="l" rtl="0">
+              <a:spcBef>
+                <a:spcPts val="0"/>
+              </a:spcBef>
+              <a:spcAft>
+                <a:spcPts val="0"/>
+              </a:spcAft>
+              <a:buSzPts val="1100"/>
+              <a:buAutoNum type="arabicPeriod"/>
+            </a:pPr>
+            <a:r>
+              <a:rPr lang="en" sz="1200" dirty="0">
                 <a:solidFill>
                   <a:srgbClr val="111111"/>
                 </a:solidFill>
@@ -7594,7 +7216,7 @@
               </a:rPr>
               <a:t>Tokenized the comment text - Tokenization is a step which splits longer strings of text into smaller pieces, or tokens. </a:t>
             </a:r>
-            <a:endParaRPr sz="1200">
+            <a:endParaRPr sz="1200" dirty="0">
               <a:solidFill>
                 <a:srgbClr val="111111"/>
               </a:solidFill>
@@ -7618,7 +7240,7 @@
               <a:buAutoNum type="arabicPeriod"/>
             </a:pPr>
             <a:r>
-              <a:rPr lang="en" sz="1200">
+              <a:rPr lang="en" sz="1200" dirty="0">
                 <a:solidFill>
                   <a:srgbClr val="111111"/>
                 </a:solidFill>
@@ -7629,7 +7251,7 @@
               <a:t>Lemmatization is </a:t>
             </a:r>
             <a:r>
-              <a:rPr lang="en">
+              <a:rPr lang="en" dirty="0">
                 <a:highlight>
                   <a:srgbClr val="FFFFFF"/>
                 </a:highlight>
@@ -7637,7 +7259,7 @@
               <a:t>converting different forms of a single word to its root form</a:t>
             </a:r>
             <a:r>
-              <a:rPr lang="en" sz="1200">
+              <a:rPr lang="en" sz="1200" dirty="0">
                 <a:solidFill>
                   <a:srgbClr val="808080"/>
                 </a:solidFill>
@@ -7647,7 +7269,7 @@
               </a:rPr>
               <a:t>. </a:t>
             </a:r>
-            <a:endParaRPr sz="1200">
+            <a:endParaRPr sz="1200" dirty="0">
               <a:solidFill>
                 <a:srgbClr val="111111"/>
               </a:solidFill>
@@ -7760,10 +7382,34 @@
               <a:buChar char="●"/>
             </a:pPr>
             <a:r>
-              <a:rPr lang="en"/>
-              <a:t>The data extracted from youtube api and kaggle data set are saved to local file system in KVM</a:t>
+              <a:rPr lang="en" dirty="0"/>
+              <a:t>The data extracted from </a:t>
             </a:r>
-            <a:endParaRPr/>
+            <a:r>
+              <a:rPr lang="en" dirty="0" err="1"/>
+              <a:t>youtube</a:t>
+            </a:r>
+            <a:r>
+              <a:rPr lang="en" dirty="0"/>
+              <a:t> </a:t>
+            </a:r>
+            <a:r>
+              <a:rPr lang="en" dirty="0" err="1"/>
+              <a:t>api</a:t>
+            </a:r>
+            <a:r>
+              <a:rPr lang="en" dirty="0"/>
+              <a:t> and </a:t>
+            </a:r>
+            <a:r>
+              <a:rPr lang="en" dirty="0" err="1"/>
+              <a:t>kaggle</a:t>
+            </a:r>
+            <a:r>
+              <a:rPr lang="en" dirty="0"/>
+              <a:t> data set are saved to local file system in KVM</a:t>
+            </a:r>
+            <a:endParaRPr dirty="0"/>
           </a:p>
           <a:p>
             <a:pPr marL="457200" lvl="0" indent="-298450" algn="l" rtl="0">
@@ -7777,10 +7423,18 @@
               <a:buChar char="●"/>
             </a:pPr>
             <a:r>
-              <a:rPr lang="en"/>
-              <a:t>Data from local system is loaded to spark engine using pyspark API (python)</a:t>
+              <a:rPr lang="en" dirty="0"/>
+              <a:t>Data from local system is loaded to spark engine using </a:t>
             </a:r>
-            <a:endParaRPr/>
+            <a:r>
+              <a:rPr lang="en" dirty="0" err="1"/>
+              <a:t>pyspark</a:t>
+            </a:r>
+            <a:r>
+              <a:rPr lang="en" dirty="0"/>
+              <a:t> API (python)</a:t>
+            </a:r>
+            <a:endParaRPr dirty="0"/>
           </a:p>
           <a:p>
             <a:pPr marL="457200" lvl="0" indent="-298450" algn="l" rtl="0">
@@ -7794,10 +7448,18 @@
               <a:buChar char="●"/>
             </a:pPr>
             <a:r>
-              <a:rPr lang="en"/>
-              <a:t>Spark sends data and tasks ie map and reduce to worker nodes to do the parallel processing.</a:t>
+              <a:rPr lang="en" dirty="0"/>
+              <a:t>Spark sends data and tasks </a:t>
             </a:r>
-            <a:endParaRPr/>
+            <a:r>
+              <a:rPr lang="en" dirty="0" err="1"/>
+              <a:t>ie</a:t>
+            </a:r>
+            <a:r>
+              <a:rPr lang="en" dirty="0"/>
+              <a:t> map and reduce to worker nodes to do the parallel processing.</a:t>
+            </a:r>
+            <a:endParaRPr dirty="0"/>
           </a:p>
           <a:p>
             <a:pPr marL="457200" lvl="0" indent="-298450" algn="l" rtl="0">
@@ -7811,10 +7473,34 @@
               <a:buChar char="●"/>
             </a:pPr>
             <a:r>
-              <a:rPr lang="en"/>
-              <a:t>Spark sends output back to the local system when output is fed to matplotlib and tableau for visualizations and the results are used for decision making</a:t>
+              <a:rPr lang="en" dirty="0"/>
+              <a:t>Spark sends output back to the local system </a:t>
             </a:r>
-            <a:endParaRPr/>
+          </a:p>
+          <a:p>
+            <a:pPr marL="457200" lvl="0" indent="-298450" algn="l" rtl="0">
+              <a:spcBef>
+                <a:spcPts val="0"/>
+              </a:spcBef>
+              <a:spcAft>
+                <a:spcPts val="0"/>
+              </a:spcAft>
+              <a:buSzPts val="1100"/>
+              <a:buChar char="●"/>
+            </a:pPr>
+            <a:r>
+              <a:rPr lang="en-US" dirty="0"/>
+              <a:t>A</a:t>
+            </a:r>
+            <a:r>
+              <a:rPr lang="en" dirty="0" err="1"/>
+              <a:t>nd</a:t>
+            </a:r>
+            <a:r>
+              <a:rPr lang="en" dirty="0"/>
+              <a:t> then output is fed to matplotlib and tableau for visualizations and the results are used for decision making</a:t>
+            </a:r>
+            <a:endParaRPr dirty="0"/>
           </a:p>
         </p:txBody>
       </p:sp>
@@ -7923,7 +7609,7 @@
               <a:buChar char="●"/>
             </a:pPr>
             <a:r>
-              <a:rPr lang="en" sz="1200">
+              <a:rPr lang="en" sz="1200" dirty="0">
                 <a:solidFill>
                   <a:srgbClr val="222222"/>
                 </a:solidFill>
@@ -7933,7 +7619,7 @@
               </a:rPr>
               <a:t>After preprocessing the data, this is given as input to RDD</a:t>
             </a:r>
-            <a:endParaRPr sz="1200">
+            <a:endParaRPr sz="1200" dirty="0">
               <a:solidFill>
                 <a:srgbClr val="222222"/>
               </a:solidFill>
@@ -7957,7 +7643,7 @@
               <a:buChar char="●"/>
             </a:pPr>
             <a:r>
-              <a:rPr lang="en" sz="1200">
+              <a:rPr lang="en" sz="1200" dirty="0">
                 <a:solidFill>
                   <a:srgbClr val="222222"/>
                 </a:solidFill>
@@ -7965,9 +7651,31 @@
                   <a:srgbClr val="FFFFFF"/>
                 </a:highlight>
               </a:rPr>
-              <a:t>We have used textblob, a python library for processing textual data (comments text) </a:t>
+              <a:t>We have used </a:t>
             </a:r>
-            <a:endParaRPr sz="1200">
+            <a:r>
+              <a:rPr lang="en" sz="1200" dirty="0" err="1">
+                <a:solidFill>
+                  <a:srgbClr val="222222"/>
+                </a:solidFill>
+                <a:highlight>
+                  <a:srgbClr val="FFFFFF"/>
+                </a:highlight>
+              </a:rPr>
+              <a:t>textblob</a:t>
+            </a:r>
+            <a:r>
+              <a:rPr lang="en" sz="1200" dirty="0">
+                <a:solidFill>
+                  <a:srgbClr val="222222"/>
+                </a:solidFill>
+                <a:highlight>
+                  <a:srgbClr val="FFFFFF"/>
+                </a:highlight>
+              </a:rPr>
+              <a:t>, a python library for processing textual data (comments text) </a:t>
+            </a:r>
+            <a:endParaRPr sz="1200" dirty="0">
               <a:solidFill>
                 <a:srgbClr val="222222"/>
               </a:solidFill>
@@ -7991,7 +7699,7 @@
               <a:buChar char="●"/>
             </a:pPr>
             <a:r>
-              <a:rPr lang="en" sz="1200">
+              <a:rPr lang="en" sz="1200" dirty="0">
                 <a:solidFill>
                   <a:srgbClr val="222222"/>
                 </a:solidFill>
@@ -8001,7 +7709,7 @@
               </a:rPr>
               <a:t>It provides a simple API for diving into common natural language processing (NLP) tasks such as part-of-speech tagging, noun phrase extraction, sentiment analysis, classification, translation, and more</a:t>
             </a:r>
-            <a:endParaRPr sz="1200">
+            <a:endParaRPr sz="1200" dirty="0">
               <a:solidFill>
                 <a:srgbClr val="222222"/>
               </a:solidFill>
@@ -8025,7 +7733,7 @@
               <a:buChar char="●"/>
             </a:pPr>
             <a:r>
-              <a:rPr lang="en" sz="1200">
+              <a:rPr lang="en" sz="1200" dirty="0">
                 <a:solidFill>
                   <a:srgbClr val="222222"/>
                 </a:solidFill>
@@ -8035,7 +7743,7 @@
               </a:rPr>
               <a:t>Collecting the data from RDD</a:t>
             </a:r>
-            <a:endParaRPr sz="1200">
+            <a:endParaRPr sz="1200" dirty="0">
               <a:solidFill>
                 <a:srgbClr val="222222"/>
               </a:solidFill>
@@ -8059,7 +7767,7 @@
               <a:buChar char="●"/>
             </a:pPr>
             <a:r>
-              <a:rPr lang="en" sz="1200">
+              <a:rPr lang="en" sz="1200" dirty="0">
                 <a:solidFill>
                   <a:srgbClr val="222222"/>
                 </a:solidFill>
@@ -8067,23 +7775,59 @@
                   <a:schemeClr val="lt1"/>
                 </a:highlight>
               </a:rPr>
-              <a:t>Using Spark SQL joins(), we have aggregated USVideos and USComments files  for the </a:t>
+              <a:t>Using Spark SQL joins(), we have aggregated </a:t>
             </a:r>
             <a:r>
-              <a:rPr lang="en" sz="1200"/>
+              <a:rPr lang="en" sz="1200" dirty="0" err="1">
+                <a:solidFill>
+                  <a:srgbClr val="222222"/>
+                </a:solidFill>
+                <a:highlight>
+                  <a:schemeClr val="lt1"/>
+                </a:highlight>
+              </a:rPr>
+              <a:t>USVideos</a:t>
+            </a:r>
+            <a:r>
+              <a:rPr lang="en" sz="1200" dirty="0">
+                <a:solidFill>
+                  <a:srgbClr val="222222"/>
+                </a:solidFill>
+                <a:highlight>
+                  <a:schemeClr val="lt1"/>
+                </a:highlight>
+              </a:rPr>
+              <a:t> and </a:t>
+            </a:r>
+            <a:r>
+              <a:rPr lang="en" sz="1200" dirty="0" err="1">
+                <a:solidFill>
+                  <a:srgbClr val="222222"/>
+                </a:solidFill>
+                <a:highlight>
+                  <a:schemeClr val="lt1"/>
+                </a:highlight>
+              </a:rPr>
+              <a:t>USComments</a:t>
+            </a:r>
+            <a:r>
+              <a:rPr lang="en" sz="1200" dirty="0">
+                <a:solidFill>
+                  <a:srgbClr val="222222"/>
+                </a:solidFill>
+                <a:highlight>
+                  <a:schemeClr val="lt1"/>
+                </a:highlight>
+              </a:rPr>
+              <a:t> files  for the </a:t>
+            </a:r>
+            <a:r>
+              <a:rPr lang="en" sz="1200" dirty="0"/>
               <a:t>comments, likes, views and dislikes</a:t>
             </a:r>
-            <a:endParaRPr sz="1200">
-              <a:highlight>
-                <a:schemeClr val="lt1"/>
-              </a:highlight>
-            </a:endParaRPr>
           </a:p>
           <a:p>
             <a:pPr marL="457200" lvl="0" indent="-304800" algn="l" rtl="0">
-              <a:lnSpc>
-                <a:spcPct val="115000"/>
-              </a:lnSpc>
               <a:spcBef>
                 <a:spcPts val="0"/>
               </a:spcBef>
@@ -8097,7 +7841,54 @@
               <a:buChar char="●"/>
             </a:pPr>
             <a:r>
-              <a:rPr lang="en" sz="1200">
+              <a:rPr lang="en" sz="1200" dirty="0">
+                <a:highlight>
+                  <a:schemeClr val="lt1"/>
+                </a:highlight>
+              </a:rPr>
+              <a:t>We have applied multiclass logistic regression on </a:t>
+            </a:r>
+            <a:r>
+              <a:rPr lang="en" sz="1200" dirty="0" err="1">
+                <a:highlight>
+                  <a:schemeClr val="lt1"/>
+                </a:highlight>
+              </a:rPr>
+              <a:t>analysed</a:t>
+            </a:r>
+            <a:r>
+              <a:rPr lang="en" sz="1200" dirty="0">
+                <a:highlight>
+                  <a:schemeClr val="lt1"/>
+                </a:highlight>
+              </a:rPr>
+              <a:t> data using spark ML</a:t>
+            </a:r>
+            <a:endParaRPr sz="1200" dirty="0">
+              <a:highlight>
+                <a:schemeClr val="lt1"/>
+              </a:highlight>
+            </a:endParaRPr>
+          </a:p>
+          <a:p>
+            <a:pPr marL="457200" lvl="0" indent="-304800" algn="l" rtl="0">
+              <a:lnSpc>
+                <a:spcPct val="115000"/>
+              </a:lnSpc>
+              <a:spcBef>
+                <a:spcPts val="0"/>
+              </a:spcBef>
+              <a:spcAft>
+                <a:spcPts val="0"/>
+              </a:spcAft>
+              <a:buClr>
+                <a:srgbClr val="222222"/>
+              </a:buClr>
+              <a:buSzPts val="1200"/>
+              <a:buChar char="●"/>
+            </a:pPr>
+            <a:r>
+              <a:rPr lang="en" sz="1200" dirty="0">
                 <a:solidFill>
                   <a:schemeClr val="dk1"/>
                 </a:solidFill>
@@ -8108,7 +7899,7 @@
               <a:t>The </a:t>
             </a:r>
             <a:r>
-              <a:rPr lang="en" sz="1200">
+              <a:rPr lang="en" sz="1200" dirty="0" err="1">
                 <a:solidFill>
                   <a:schemeClr val="dk1"/>
                 </a:solidFill>
@@ -8116,7 +7907,7 @@
               <a:t>StringIndexer</a:t>
             </a:r>
             <a:r>
-              <a:rPr lang="en" sz="1200">
+              <a:rPr lang="en" sz="1200" dirty="0">
                 <a:solidFill>
                   <a:schemeClr val="dk1"/>
                 </a:solidFill>
@@ -8127,7 +7918,7 @@
               <a:t> class performs label encoding and must be applied before the </a:t>
             </a:r>
             <a:r>
-              <a:rPr lang="en" sz="1200">
+              <a:rPr lang="en" sz="1200" dirty="0" err="1">
                 <a:solidFill>
                   <a:schemeClr val="dk1"/>
                 </a:solidFill>
@@ -8135,7 +7926,7 @@
               <a:t>OneHotEncoder</a:t>
             </a:r>
             <a:r>
-              <a:rPr lang="en" sz="1200">
+              <a:rPr lang="en" sz="1200" dirty="0">
                 <a:solidFill>
                   <a:schemeClr val="dk1"/>
                 </a:solidFill>
@@ -8146,7 +7937,7 @@
               <a:t> which in turn converts </a:t>
             </a:r>
             <a:r>
-              <a:rPr lang="en" sz="1200">
+              <a:rPr lang="en" sz="1200" dirty="0">
                 <a:solidFill>
                   <a:srgbClr val="222222"/>
                 </a:solidFill>
@@ -8157,7 +7948,7 @@
               <a:t>categorical variables into a form that could be provided to ML algorithms to do a better job in prediction. The categorical value represents the numerical value of the entry in the dataset.</a:t>
             </a:r>
             <a:r>
-              <a:rPr lang="en" sz="1200">
+              <a:rPr lang="en" sz="1200" dirty="0">
                 <a:solidFill>
                   <a:schemeClr val="dk1"/>
                 </a:solidFill>
@@ -8167,7 +7958,7 @@
               </a:rPr>
               <a:t>). </a:t>
             </a:r>
-            <a:endParaRPr sz="1200">
+            <a:endParaRPr sz="1200" dirty="0">
               <a:solidFill>
                 <a:schemeClr val="dk1"/>
               </a:solidFill>
@@ -8194,7 +7985,7 @@
               <a:buChar char="●"/>
             </a:pPr>
             <a:r>
-              <a:rPr lang="en" sz="1200">
+              <a:rPr lang="en" sz="1200" dirty="0">
                 <a:solidFill>
                   <a:schemeClr val="dk1"/>
                 </a:solidFill>
@@ -8205,7 +7996,7 @@
               <a:t>The </a:t>
             </a:r>
             <a:r>
-              <a:rPr lang="en" sz="1200">
+              <a:rPr lang="en" sz="1200" dirty="0" err="1">
                 <a:solidFill>
                   <a:schemeClr val="dk1"/>
                 </a:solidFill>
@@ -8213,7 +8004,7 @@
               <a:t>VectorAssembler</a:t>
             </a:r>
             <a:r>
-              <a:rPr lang="en" sz="1200">
+              <a:rPr lang="en" sz="1200" dirty="0">
                 <a:solidFill>
                   <a:schemeClr val="dk1"/>
                 </a:solidFill>
@@ -8223,7 +8014,7 @@
               </a:rPr>
               <a:t> class takes multiple columns as input and outputs a single column whose contents is an array containing the values for all of the input columns.</a:t>
             </a:r>
-            <a:endParaRPr sz="1200">
+            <a:endParaRPr sz="1200" dirty="0">
               <a:solidFill>
                 <a:schemeClr val="dk1"/>
               </a:solidFill>
@@ -8250,7 +8041,7 @@
               <a:buChar char="●"/>
             </a:pPr>
             <a:r>
-              <a:rPr lang="en" sz="1200">
+              <a:rPr lang="en" sz="1200" dirty="0">
                 <a:solidFill>
                   <a:schemeClr val="dk1"/>
                 </a:solidFill>
@@ -8260,7 +8051,7 @@
               </a:rPr>
               <a:t>Obtained an accuracy of 79%</a:t>
             </a:r>
-            <a:endParaRPr sz="1200">
+            <a:endParaRPr sz="1200" dirty="0">
               <a:solidFill>
                 <a:schemeClr val="dk1"/>
               </a:solidFill>
@@ -8279,7 +8070,7 @@
               </a:spcAft>
               <a:buNone/>
             </a:pPr>
-            <a:endParaRPr sz="1200"/>
+            <a:endParaRPr sz="1200" dirty="0"/>
           </a:p>
         </p:txBody>
       </p:sp>
@@ -9249,23 +9040,18 @@
               <a:buNone/>
             </a:pPr>
             <a:r>
-              <a:rPr lang="en">
+              <a:rPr lang="en" dirty="0">
                 <a:solidFill>
                   <a:schemeClr val="dk2"/>
                 </a:solidFill>
               </a:rPr>
-              <a:t>Generally, the quality, relevance, and popularity of the video is maintained based on likes, dislikes, views and tags. Sometimes irrelevant and low-quality videos ranked higher in the search result due to the number of views or likes, which seems untenable. </a:t>
+              <a:t>Generally, the quality, relevance, and popularity of the video is maintained based on likes, dislikes, views and tags. Sometimes irrelevant and low-quality videos rank higher in the search result due to the number of views or likes, which seems untenable. </a:t>
             </a:r>
-            <a:endParaRPr>
-              <a:solidFill>
-                <a:schemeClr val="dk2"/>
-              </a:solidFill>
-            </a:endParaRPr>
           </a:p>
           <a:p>
             <a:pPr marL="0" lvl="0" indent="0" algn="l" rtl="0">
               <a:spcBef>
-                <a:spcPts val="1600"/>
+                <a:spcPts val="0"/>
               </a:spcBef>
               <a:spcAft>
                 <a:spcPts val="0"/>
@@ -9278,14 +9064,67 @@
               <a:buNone/>
             </a:pPr>
             <a:r>
-              <a:rPr lang="en">
+              <a:rPr lang="en-US" dirty="0">
                 <a:solidFill>
                   <a:schemeClr val="dk2"/>
                 </a:solidFill>
               </a:rPr>
-              <a:t>Tags play an important role especially for youtubers as they earn money from advertisers based on their views. They often ponder with the question “What type of videos should i make in order to get more user views?” and more specifically what should be the title and tags to attract users.</a:t>
+              <a:t>F</a:t>
             </a:r>
-            <a:endParaRPr>
+            <a:r>
+              <a:rPr lang="en" dirty="0">
+                <a:solidFill>
+                  <a:schemeClr val="dk2"/>
+                </a:solidFill>
+              </a:rPr>
+              <a:t>or example: in the image this video has 152k likes and is considered on of the most popular video but if you see the comments they are negative.</a:t>
+            </a:r>
+            <a:endParaRPr dirty="0">
+              <a:solidFill>
+                <a:schemeClr val="dk2"/>
+              </a:solidFill>
+            </a:endParaRPr>
+          </a:p>
+          <a:p>
+            <a:pPr marL="0" lvl="0" indent="0" algn="l" rtl="0">
+              <a:spcBef>
+                <a:spcPts val="1600"/>
+              </a:spcBef>
+              <a:spcAft>
+                <a:spcPts val="0"/>
+              </a:spcAft>
+              <a:buClr>
+                <a:schemeClr val="dk1"/>
+              </a:buClr>
+              <a:buSzPts val="1100"/>
+              <a:buFont typeface="Arial"/>
+              <a:buNone/>
+            </a:pPr>
+            <a:r>
+              <a:rPr lang="en" dirty="0">
+                <a:solidFill>
+                  <a:schemeClr val="dk2"/>
+                </a:solidFill>
+              </a:rPr>
+              <a:t>Tags play an important role especially for youtubers as they earn money from advertisers based on their views. They often ponder with the question “What type of videos should </a:t>
+            </a:r>
+            <a:r>
+              <a:rPr lang="en" dirty="0" err="1">
+                <a:solidFill>
+                  <a:schemeClr val="dk2"/>
+                </a:solidFill>
+              </a:rPr>
+              <a:t>i</a:t>
+            </a:r>
+            <a:r>
+              <a:rPr lang="en" dirty="0">
+                <a:solidFill>
+                  <a:schemeClr val="dk2"/>
+                </a:solidFill>
+              </a:rPr>
+              <a:t> make in order to get more user views?” and more specifically what should be the title and tags to attract users.</a:t>
+            </a:r>
+            <a:endParaRPr dirty="0">
               <a:solidFill>
                 <a:schemeClr val="dk2"/>
               </a:solidFill>
@@ -9307,14 +9146,14 @@
               <a:buNone/>
             </a:pPr>
             <a:r>
-              <a:rPr lang="en">
+              <a:rPr lang="en" dirty="0">
                 <a:solidFill>
                   <a:schemeClr val="dk2"/>
                 </a:solidFill>
               </a:rPr>
               <a:t>To minimize these issues, we present a sentimental data analysis approach to user comments and tags.</a:t>
             </a:r>
-            <a:endParaRPr>
+            <a:endParaRPr dirty="0">
               <a:solidFill>
                 <a:schemeClr val="dk2"/>
               </a:solidFill>
@@ -9422,7 +9261,7 @@
               </a:spcAft>
               <a:buNone/>
             </a:pPr>
-            <a:endParaRPr/>
+            <a:endParaRPr dirty="0"/>
           </a:p>
         </p:txBody>
       </p:sp>
@@ -9534,14 +9373,14 @@
               <a:buChar char="●"/>
             </a:pPr>
             <a:r>
-              <a:rPr lang="en" sz="1800">
+              <a:rPr lang="en" sz="1800" dirty="0">
                 <a:solidFill>
                   <a:schemeClr val="dk2"/>
                 </a:solidFill>
               </a:rPr>
               <a:t>YouTube is one of the world’s largest video sharing platforms, where videos are uploading continuously by the millions of users (companies, private persons, etc.).</a:t>
             </a:r>
-            <a:endParaRPr sz="1800">
+            <a:endParaRPr sz="1800" dirty="0">
               <a:solidFill>
                 <a:schemeClr val="dk2"/>
               </a:solidFill>
@@ -9565,14 +9404,14 @@
               <a:buChar char="●"/>
             </a:pPr>
             <a:r>
-              <a:rPr lang="en" sz="1800">
+              <a:rPr lang="en" sz="1800" dirty="0">
                 <a:solidFill>
                   <a:schemeClr val="dk2"/>
                 </a:solidFill>
               </a:rPr>
               <a:t>When we search for a speciﬁc video through some keyword on one particular topic, the most popular video comes (which are rated based on views/likes by the users) ﬁrst in search panel based on that given keywords.</a:t>
             </a:r>
-            <a:endParaRPr sz="1800">
+            <a:endParaRPr sz="1800" dirty="0">
               <a:solidFill>
                 <a:schemeClr val="dk2"/>
               </a:solidFill>
@@ -9596,14 +9435,14 @@
               <a:buChar char="●"/>
             </a:pPr>
             <a:r>
-              <a:rPr lang="en" sz="1800">
+              <a:rPr lang="en" sz="1800" dirty="0">
                 <a:solidFill>
                   <a:schemeClr val="dk2"/>
                 </a:solidFill>
               </a:rPr>
               <a:t>some problematic issues arise in searching, such as inconsistency, irrelevancy, etc.</a:t>
             </a:r>
-            <a:endParaRPr sz="1800">
+            <a:endParaRPr sz="1800" dirty="0">
               <a:solidFill>
                 <a:schemeClr val="dk2"/>
               </a:solidFill>
@@ -9627,14 +9466,14 @@
               <a:buChar char="●"/>
             </a:pPr>
             <a:r>
-              <a:rPr lang="en" sz="1800">
+              <a:rPr lang="en" sz="1800" dirty="0">
                 <a:solidFill>
                   <a:schemeClr val="dk2"/>
                 </a:solidFill>
               </a:rPr>
               <a:t>Sentimental analysis on comments along with likes, dislikes and views helps to correctly classify the polarity of the video.</a:t>
             </a:r>
-            <a:endParaRPr sz="1800">
+            <a:endParaRPr sz="1800" dirty="0">
               <a:solidFill>
                 <a:schemeClr val="dk2"/>
               </a:solidFill>
@@ -9658,14 +9497,14 @@
               <a:buChar char="●"/>
             </a:pPr>
             <a:r>
-              <a:rPr lang="en" sz="1800">
+              <a:rPr lang="en" sz="1800" dirty="0">
                 <a:solidFill>
                   <a:schemeClr val="dk2"/>
                 </a:solidFill>
               </a:rPr>
               <a:t>Search results mainly focus on title and tags, so analysis on tags will help increase the popularity of a video</a:t>
             </a:r>
-            <a:endParaRPr sz="1800">
+            <a:endParaRPr sz="1800" dirty="0">
               <a:solidFill>
                 <a:schemeClr val="dk2"/>
               </a:solidFill>
@@ -10087,14 +9926,14 @@
               <a:buNone/>
             </a:pPr>
             <a:r>
-              <a:rPr lang="en" sz="1050">
+              <a:rPr lang="en" sz="1050" dirty="0">
                 <a:solidFill>
                   <a:schemeClr val="dk1"/>
                 </a:solidFill>
               </a:rPr>
               <a:t>The headers in the video file are:</a:t>
             </a:r>
-            <a:endParaRPr sz="1050">
+            <a:endParaRPr sz="1050" dirty="0">
               <a:solidFill>
                 <a:schemeClr val="dk1"/>
               </a:solidFill>
@@ -10118,14 +9957,22 @@
               <a:buChar char="●"/>
             </a:pPr>
             <a:r>
-              <a:rPr lang="en" sz="1050">
+              <a:rPr lang="en" sz="1050" dirty="0" err="1">
                 <a:solidFill>
                   <a:schemeClr val="dk1"/>
                 </a:solidFill>
               </a:rPr>
-              <a:t>video_id (Common id field to both comment and video csv files)</a:t>
+              <a:t>video_id</a:t>
             </a:r>
-            <a:endParaRPr sz="1050">
+            <a:r>
+              <a:rPr lang="en" sz="1050" dirty="0">
+                <a:solidFill>
+                  <a:schemeClr val="dk1"/>
+                </a:solidFill>
+              </a:rPr>
+              <a:t> (Common id field to both comment and video csv files)</a:t>
+            </a:r>
+            <a:endParaRPr sz="1050" dirty="0">
               <a:solidFill>
                 <a:schemeClr val="dk1"/>
               </a:solidFill>
@@ -10149,14 +9996,14 @@
               <a:buChar char="●"/>
             </a:pPr>
             <a:r>
-              <a:rPr lang="en" sz="1050">
+              <a:rPr lang="en" sz="1050" dirty="0">
                 <a:solidFill>
                   <a:schemeClr val="dk1"/>
                 </a:solidFill>
               </a:rPr>
               <a:t>title</a:t>
             </a:r>
-            <a:endParaRPr sz="1050">
+            <a:endParaRPr sz="1050" dirty="0">
               <a:solidFill>
                 <a:schemeClr val="dk1"/>
               </a:solidFill>
@@ -10180,14 +10027,14 @@
               <a:buChar char="●"/>
             </a:pPr>
             <a:r>
-              <a:rPr lang="en" sz="1050">
+              <a:rPr lang="en" sz="1050" dirty="0" err="1">
                 <a:solidFill>
                   <a:schemeClr val="dk1"/>
                 </a:solidFill>
               </a:rPr>
               <a:t>channel_title</a:t>
             </a:r>
-            <a:endParaRPr sz="1050">
+            <a:endParaRPr sz="1050" dirty="0">
               <a:solidFill>
                 <a:schemeClr val="dk1"/>
               </a:solidFill>
@@ -10211,14 +10058,22 @@
               <a:buChar char="●"/>
             </a:pPr>
             <a:r>
-              <a:rPr lang="en" sz="1050">
+              <a:rPr lang="en" sz="1050" dirty="0" err="1">
                 <a:solidFill>
                   <a:schemeClr val="dk1"/>
                 </a:solidFill>
               </a:rPr>
-              <a:t>category_id (Can be looked up using the included JSON files, but varies per region so use the appropriate JSON file for the CSV file's country)</a:t>
+              <a:t>category_id</a:t>
             </a:r>
-            <a:endParaRPr sz="1050">
+            <a:r>
+              <a:rPr lang="en" sz="1050" dirty="0">
+                <a:solidFill>
+                  <a:schemeClr val="dk1"/>
+                </a:solidFill>
+              </a:rPr>
+              <a:t> (Can be looked up using the included JSON files, but varies per region so use the appropriate JSON file for the CSV file's country)</a:t>
+            </a:r>
+            <a:endParaRPr sz="1050" dirty="0">
               <a:solidFill>
                 <a:schemeClr val="dk1"/>
               </a:solidFill>
@@ -10242,14 +10097,14 @@
               <a:buChar char="●"/>
             </a:pPr>
             <a:r>
-              <a:rPr lang="en" sz="1050">
+              <a:rPr lang="en" sz="1050" dirty="0">
                 <a:solidFill>
                   <a:schemeClr val="dk1"/>
                 </a:solidFill>
               </a:rPr>
               <a:t>tags (Separated by | character, [none] is displayed if there are no tags)</a:t>
             </a:r>
-            <a:endParaRPr sz="1050">
+            <a:endParaRPr sz="1050" dirty="0">
               <a:solidFill>
                 <a:schemeClr val="dk1"/>
               </a:solidFill>
@@ -10273,14 +10128,14 @@
               <a:buChar char="●"/>
             </a:pPr>
             <a:r>
-              <a:rPr lang="en" sz="1050">
+              <a:rPr lang="en" sz="1050" dirty="0">
                 <a:solidFill>
                   <a:schemeClr val="dk1"/>
                 </a:solidFill>
               </a:rPr>
               <a:t>views</a:t>
             </a:r>
-            <a:endParaRPr sz="1050">
+            <a:endParaRPr sz="1050" dirty="0">
               <a:solidFill>
                 <a:schemeClr val="dk1"/>
               </a:solidFill>
@@ -10304,14 +10159,14 @@
               <a:buChar char="●"/>
             </a:pPr>
             <a:r>
-              <a:rPr lang="en" sz="1050">
+              <a:rPr lang="en" sz="1050" dirty="0">
                 <a:solidFill>
                   <a:schemeClr val="dk1"/>
                 </a:solidFill>
               </a:rPr>
               <a:t>likes</a:t>
             </a:r>
-            <a:endParaRPr sz="1050">
+            <a:endParaRPr sz="1050" dirty="0">
               <a:solidFill>
                 <a:schemeClr val="dk1"/>
               </a:solidFill>
@@ -10335,14 +10190,14 @@
               <a:buChar char="●"/>
             </a:pPr>
             <a:r>
-              <a:rPr lang="en" sz="1050">
+              <a:rPr lang="en" sz="1050" dirty="0">
                 <a:solidFill>
                   <a:schemeClr val="dk1"/>
                 </a:solidFill>
               </a:rPr>
               <a:t>dislikes</a:t>
             </a:r>
-            <a:endParaRPr sz="1050">
+            <a:endParaRPr sz="1050" dirty="0">
               <a:solidFill>
                 <a:schemeClr val="dk1"/>
               </a:solidFill>
@@ -10366,14 +10221,14 @@
               <a:buChar char="●"/>
             </a:pPr>
             <a:r>
-              <a:rPr lang="en" sz="1050">
+              <a:rPr lang="en" sz="1050" dirty="0" err="1">
                 <a:solidFill>
                   <a:schemeClr val="dk1"/>
                 </a:solidFill>
               </a:rPr>
               <a:t>thumbnail_link</a:t>
             </a:r>
-            <a:endParaRPr sz="1050">
+            <a:endParaRPr sz="1050" dirty="0">
               <a:solidFill>
                 <a:schemeClr val="dk1"/>
               </a:solidFill>
@@ -10397,14 +10252,14 @@
               <a:buChar char="●"/>
             </a:pPr>
             <a:r>
-              <a:rPr lang="en" sz="1050">
+              <a:rPr lang="en" sz="1050" dirty="0">
                 <a:solidFill>
                   <a:schemeClr val="dk1"/>
                 </a:solidFill>
               </a:rPr>
               <a:t>date (Formatted like so: [day].[month])</a:t>
             </a:r>
-            <a:endParaRPr sz="1050">
+            <a:endParaRPr sz="1050" dirty="0">
               <a:solidFill>
                 <a:schemeClr val="dk1"/>
               </a:solidFill>
@@ -10420,7 +10275,7 @@
               </a:spcAft>
               <a:buNone/>
             </a:pPr>
-            <a:endParaRPr/>
+            <a:endParaRPr dirty="0"/>
           </a:p>
         </p:txBody>
       </p:sp>
@@ -10525,10 +10380,10 @@
               <a:buNone/>
             </a:pPr>
             <a:r>
-              <a:rPr lang="en"/>
+              <a:rPr lang="en" dirty="0"/>
               <a:t>Coming to the  exploratory data analysis</a:t>
             </a:r>
-            <a:endParaRPr/>
+            <a:endParaRPr dirty="0"/>
           </a:p>
           <a:p>
             <a:pPr marL="457200" lvl="0" indent="-298450" algn="l" rtl="0">
@@ -10542,10 +10397,18 @@
               <a:buChar char="●"/>
             </a:pPr>
             <a:r>
-              <a:rPr lang="en"/>
-              <a:t>Here is the word cloud for positive comment sentences as you can see the words lol, think etc are most used in the positive comments</a:t>
+              <a:rPr lang="en" dirty="0"/>
+              <a:t>Here is the word cloud for positive comment sentences as you can see the words lol, think </a:t>
             </a:r>
-            <a:endParaRPr/>
+            <a:r>
+              <a:rPr lang="en" dirty="0" err="1"/>
+              <a:t>etc</a:t>
+            </a:r>
+            <a:r>
+              <a:rPr lang="en" dirty="0"/>
+              <a:t> are most used in the positive comments</a:t>
+            </a:r>
+            <a:endParaRPr dirty="0"/>
           </a:p>
           <a:p>
             <a:pPr marL="457200" lvl="0" indent="-298450" algn="l" rtl="0">
@@ -10559,11 +10422,19 @@
               <a:buChar char="●"/>
             </a:pPr>
             <a:r>
-              <a:rPr lang="en"/>
-              <a:t>We have also built a correlation matrix for each category like comedy, entertainment etc showing the </a:t>
+              <a:rPr lang="en" dirty="0"/>
+              <a:t>We have also built a correlation matrix for each category like comedy, entertainment </a:t>
             </a:r>
             <a:r>
-              <a:rPr lang="en" sz="1200" b="1">
+              <a:rPr lang="en" dirty="0" err="1"/>
+              <a:t>etc</a:t>
+            </a:r>
+            <a:r>
+              <a:rPr lang="en" dirty="0"/>
+              <a:t> showing the </a:t>
+            </a:r>
+            <a:r>
+              <a:rPr lang="en" sz="1200" b="1" dirty="0">
                 <a:solidFill>
                   <a:srgbClr val="222222"/>
                 </a:solidFill>
@@ -10571,7 +10442,7 @@
               <a:t>correlation</a:t>
             </a:r>
             <a:r>
-              <a:rPr lang="en" sz="1200">
+              <a:rPr lang="en" sz="1200" dirty="0">
                 <a:solidFill>
                   <a:srgbClr val="222222"/>
                 </a:solidFill>
@@ -10582,10 +10453,10 @@
               <a:t> </a:t>
             </a:r>
             <a:r>
-              <a:rPr lang="en"/>
+              <a:rPr lang="en" dirty="0"/>
               <a:t> between likes, views, dislikes and polarity of the comments. </a:t>
             </a:r>
-            <a:endParaRPr/>
+            <a:endParaRPr dirty="0"/>
           </a:p>
           <a:p>
             <a:pPr marL="457200" lvl="0" indent="-298450" algn="l" rtl="0">
@@ -10599,7 +10470,7 @@
               <a:buChar char="●"/>
             </a:pPr>
             <a:r>
-              <a:rPr lang="en">
+              <a:rPr lang="en" dirty="0">
                 <a:solidFill>
                   <a:schemeClr val="dk1"/>
                 </a:solidFill>
@@ -10613,7 +10484,7 @@
               </a:rPr>
               <a:t>The values of the correlation coefficient can range from -1 to +1. The closer it is to +1 or -1, the more closely are the two variables related. </a:t>
             </a:r>
-            <a:endParaRPr>
+            <a:endParaRPr dirty="0">
               <a:solidFill>
                 <a:schemeClr val="dk1"/>
               </a:solidFill>
@@ -10638,7 +10509,7 @@
               <a:buChar char="●"/>
             </a:pPr>
             <a:r>
-              <a:rPr lang="en">
+              <a:rPr lang="en" dirty="0">
                 <a:solidFill>
                   <a:schemeClr val="dk1"/>
                 </a:solidFill>
@@ -10652,7 +10523,7 @@
               </a:rPr>
               <a:t>The positive sign signifies the direction of the correlation i.e. if one of the variables increases, the other variable is also supposed to increase. </a:t>
             </a:r>
-            <a:endParaRPr>
+            <a:endParaRPr dirty="0">
               <a:solidFill>
                 <a:schemeClr val="dk1"/>
               </a:solidFill>
@@ -10677,7 +10548,7 @@
               <a:buChar char="●"/>
             </a:pPr>
             <a:r>
-              <a:rPr lang="en">
+              <a:rPr lang="en" dirty="0">
                 <a:solidFill>
                   <a:schemeClr val="dk1"/>
                 </a:solidFill>
@@ -10691,7 +10562,7 @@
               </a:rPr>
               <a:t>Here views and likes are highly correlated whereas dislikes and polarity are least correlated which means the number of dislikes is not proportional to comments polarity for comedy category.</a:t>
             </a:r>
-            <a:endParaRPr>
+            <a:endParaRPr dirty="0">
               <a:solidFill>
                 <a:schemeClr val="dk1"/>
               </a:solidFill>
@@ -10720,7 +10591,7 @@
               <a:buChar char="●"/>
             </a:pPr>
             <a:r>
-              <a:rPr lang="en">
+              <a:rPr lang="en" dirty="0">
                 <a:solidFill>
                   <a:schemeClr val="dk1"/>
                 </a:solidFill>
@@ -10732,10 +10603,10 @@
                 <a:cs typeface="Georgia"/>
                 <a:sym typeface="Georgia"/>
               </a:rPr>
-              <a:t>And then coming to the most used emoticons in the comments as we can “</a:t>
+              <a:t>And then coming to the most used emoticons in the comments as we can see that “</a:t>
             </a:r>
             <a:r>
-              <a:rPr lang="en" sz="1200">
+              <a:rPr lang="en" sz="1200" dirty="0">
                 <a:solidFill>
                   <a:srgbClr val="2458A1"/>
                 </a:solidFill>
@@ -10747,7 +10618,7 @@
               <a:t>Face with Tears of Joy</a:t>
             </a:r>
             <a:r>
-              <a:rPr lang="en">
+              <a:rPr lang="en" dirty="0">
                 <a:solidFill>
                   <a:schemeClr val="dk1"/>
                 </a:solidFill>
@@ -10761,7 +10632,7 @@
               </a:rPr>
               <a:t>” emoji is mostly used and the “blue heart” emoji is the least one used.</a:t>
             </a:r>
-            <a:endParaRPr>
+            <a:endParaRPr dirty="0">
               <a:solidFill>
                 <a:schemeClr val="dk1"/>
               </a:solidFill>
@@ -10784,7 +10655,7 @@
               </a:spcAft>
               <a:buNone/>
             </a:pPr>
-            <a:endParaRPr>
+            <a:endParaRPr dirty="0">
               <a:solidFill>
                 <a:schemeClr val="dk1"/>
               </a:solidFill>
@@ -10807,7 +10678,7 @@
               </a:spcAft>
               <a:buNone/>
             </a:pPr>
-            <a:endParaRPr/>
+            <a:endParaRPr dirty="0"/>
           </a:p>
         </p:txBody>
       </p:sp>
@@ -11047,7 +10918,100 @@
               </a:spcAft>
               <a:buNone/>
             </a:pPr>
-            <a:endParaRPr/>
+            <a:r>
+              <a:rPr lang="en-US" dirty="0"/>
+              <a:t>The technology stack we used are</a:t>
+            </a:r>
+          </a:p>
+          <a:p>
+            <a:pPr marL="171450" lvl="0" indent="-171450" algn="l" rtl="0">
+              <a:spcBef>
+                <a:spcPts val="0"/>
+              </a:spcBef>
+              <a:spcAft>
+                <a:spcPts val="0"/>
+              </a:spcAft>
+              <a:buFont typeface="Arial" panose="020B0604020202020204" pitchFamily="34" charset="0"/>
+              <a:buChar char="•"/>
+            </a:pPr>
+            <a:r>
+              <a:rPr lang="en-US" dirty="0" err="1"/>
+              <a:t>Jupyter</a:t>
+            </a:r>
+            <a:r>
+              <a:rPr lang="en-US" dirty="0"/>
+              <a:t> notebook</a:t>
+            </a:r>
+          </a:p>
+          <a:p>
+            <a:pPr marL="171450" lvl="0" indent="-171450" algn="l" rtl="0">
+              <a:spcBef>
+                <a:spcPts val="0"/>
+              </a:spcBef>
+              <a:spcAft>
+                <a:spcPts val="0"/>
+              </a:spcAft>
+              <a:buFont typeface="Arial" panose="020B0604020202020204" pitchFamily="34" charset="0"/>
+              <a:buChar char="•"/>
+            </a:pPr>
+            <a:r>
+              <a:rPr lang="en-US" dirty="0"/>
+              <a:t>Apache Spark</a:t>
+            </a:r>
+          </a:p>
+          <a:p>
+            <a:pPr marL="171450" lvl="0" indent="-171450" algn="l" rtl="0">
+              <a:spcBef>
+                <a:spcPts val="0"/>
+              </a:spcBef>
+              <a:spcAft>
+                <a:spcPts val="0"/>
+              </a:spcAft>
+              <a:buFont typeface="Arial" panose="020B0604020202020204" pitchFamily="34" charset="0"/>
+              <a:buChar char="•"/>
+            </a:pPr>
+            <a:r>
+              <a:rPr lang="en-US" dirty="0"/>
+              <a:t>Tableau - </a:t>
+            </a:r>
+            <a:r>
+              <a:rPr lang="en-US" dirty="0" err="1"/>
+              <a:t>visulization</a:t>
+            </a:r>
+            <a:endParaRPr lang="en-US" dirty="0"/>
+          </a:p>
+          <a:p>
+            <a:pPr marL="171450" lvl="0" indent="-171450" algn="l" rtl="0">
+              <a:spcBef>
+                <a:spcPts val="0"/>
+              </a:spcBef>
+              <a:spcAft>
+                <a:spcPts val="0"/>
+              </a:spcAft>
+              <a:buFont typeface="Arial" panose="020B0604020202020204" pitchFamily="34" charset="0"/>
+              <a:buChar char="•"/>
+            </a:pPr>
+            <a:r>
+              <a:rPr lang="en-US" dirty="0"/>
+              <a:t>Python</a:t>
+            </a:r>
+          </a:p>
+          <a:p>
+            <a:pPr marL="171450" lvl="0" indent="-171450" algn="l" rtl="0">
+              <a:spcBef>
+                <a:spcPts val="0"/>
+              </a:spcBef>
+              <a:spcAft>
+                <a:spcPts val="0"/>
+              </a:spcAft>
+              <a:buFont typeface="Arial" panose="020B0604020202020204" pitchFamily="34" charset="0"/>
+              <a:buChar char="•"/>
+            </a:pPr>
+            <a:r>
+              <a:rPr lang="en-US" dirty="0"/>
+              <a:t>Kaggle – data collection</a:t>
+            </a:r>
+            <a:endParaRPr dirty="0"/>
           </a:p>
         </p:txBody>
       </p:sp>
@@ -11462,7 +11426,7 @@
           <a:p>
             <a:fld id="{F7AFFB9B-9FB8-469E-96F9-4D32314110B6}" type="datetimeFigureOut">
               <a:rPr lang="en-US" smtClean="0"/>
-              <a:t>4/20/2020</a:t>
+              <a:t>4/20/20</a:t>
             </a:fld>
             <a:endParaRPr lang="en-US" dirty="0"/>
           </a:p>
@@ -11651,7 +11615,7 @@
           <a:p>
             <a:fld id="{C35BB1C6-BF8F-4481-8AB2-603A1C8A906A}" type="datetimeFigureOut">
               <a:rPr lang="en-US" smtClean="0"/>
-              <a:t>4/20/2020</a:t>
+              <a:t>4/20/20</a:t>
             </a:fld>
             <a:endParaRPr lang="en-US" dirty="0"/>
           </a:p>
@@ -11841,7 +11805,7 @@
           <a:p>
             <a:fld id="{C35BB1C6-BF8F-4481-8AB2-603A1C8A906A}" type="datetimeFigureOut">
               <a:rPr lang="en-US" smtClean="0"/>
-              <a:t>4/20/2020</a:t>
+              <a:t>4/20/20</a:t>
             </a:fld>
             <a:endParaRPr lang="en-US" dirty="0"/>
           </a:p>
@@ -12388,7 +12352,7 @@
           <a:p>
             <a:fld id="{C35BB1C6-BF8F-4481-8AB2-603A1C8A906A}" type="datetimeFigureOut">
               <a:rPr lang="en-US" smtClean="0"/>
-              <a:t>4/20/2020</a:t>
+              <a:t>4/20/20</a:t>
             </a:fld>
             <a:endParaRPr lang="en-US" dirty="0"/>
           </a:p>
@@ -12711,7 +12675,7 @@
           <a:p>
             <a:fld id="{0F7F47CF-67C9-420C-80A5-E2069FF0C2DF}" type="datetimeFigureOut">
               <a:rPr lang="en-US" smtClean="0"/>
-              <a:t>4/20/2020</a:t>
+              <a:t>4/20/20</a:t>
             </a:fld>
             <a:endParaRPr lang="en-US" dirty="0"/>
           </a:p>
@@ -13107,7 +13071,7 @@
           <a:p>
             <a:fld id="{C35BB1C6-BF8F-4481-8AB2-603A1C8A906A}" type="datetimeFigureOut">
               <a:rPr lang="en-US" smtClean="0"/>
-              <a:t>4/20/2020</a:t>
+              <a:t>4/20/20</a:t>
             </a:fld>
             <a:endParaRPr lang="en-US" dirty="0"/>
           </a:p>
@@ -13551,7 +13515,7 @@
           <a:p>
             <a:fld id="{C35BB1C6-BF8F-4481-8AB2-603A1C8A906A}" type="datetimeFigureOut">
               <a:rPr lang="en-US" smtClean="0"/>
-              <a:t>4/20/2020</a:t>
+              <a:t>4/20/20</a:t>
             </a:fld>
             <a:endParaRPr lang="en-US" dirty="0"/>
           </a:p>
@@ -13679,7 +13643,7 @@
           <a:p>
             <a:fld id="{097649AC-CB8F-4FF1-9A34-5861C74DD0A7}" type="datetimeFigureOut">
               <a:rPr lang="en-US" smtClean="0"/>
-              <a:t>4/20/2020</a:t>
+              <a:t>4/20/20</a:t>
             </a:fld>
             <a:endParaRPr lang="en-US" dirty="0"/>
           </a:p>
@@ -13784,7 +13748,7 @@
           <a:p>
             <a:fld id="{3EC5CECA-2D3A-4680-9B49-752200DE467C}" type="datetimeFigureOut">
               <a:rPr lang="en-US" smtClean="0"/>
-              <a:t>4/20/2020</a:t>
+              <a:t>4/20/20</a:t>
             </a:fld>
             <a:endParaRPr lang="en-US" dirty="0"/>
           </a:p>
@@ -14143,7 +14107,7 @@
           <a:p>
             <a:fld id="{C35BB1C6-BF8F-4481-8AB2-603A1C8A906A}" type="datetimeFigureOut">
               <a:rPr lang="en-US" smtClean="0"/>
-              <a:t>4/20/2020</a:t>
+              <a:t>4/20/20</a:t>
             </a:fld>
             <a:endParaRPr lang="en-US" dirty="0"/>
           </a:p>
@@ -14578,7 +14542,7 @@
           <a:p>
             <a:fld id="{12EF78E3-FDA3-4D28-AAA2-0B81F349A39D}" type="datetimeFigureOut">
               <a:rPr lang="en-US" smtClean="0"/>
-              <a:t>4/20/2020</a:t>
+              <a:t>4/20/20</a:t>
             </a:fld>
             <a:endParaRPr lang="en-US" dirty="0"/>
           </a:p>
@@ -14869,7 +14833,7 @@
           <a:p>
             <a:fld id="{C35BB1C6-BF8F-4481-8AB2-603A1C8A906A}" type="datetimeFigureOut">
               <a:rPr lang="en-US" smtClean="0"/>
-              <a:t>4/20/2020</a:t>
+              <a:t>4/20/20</a:t>
             </a:fld>
             <a:endParaRPr lang="en-US" dirty="0"/>
           </a:p>
@@ -25672,7 +25636,7 @@
               <a:buChar char="§"/>
             </a:pPr>
             <a:r>
-              <a:rPr lang="en-US"/>
+              <a:rPr lang="en-US" dirty="0"/>
               <a:t>Introduction</a:t>
             </a:r>
           </a:p>
@@ -25689,7 +25653,7 @@
               <a:buChar char="§"/>
             </a:pPr>
             <a:r>
-              <a:rPr lang="en-US"/>
+              <a:rPr lang="en-US" dirty="0"/>
               <a:t>Input description</a:t>
             </a:r>
           </a:p>
@@ -25706,7 +25670,7 @@
               <a:buChar char="§"/>
             </a:pPr>
             <a:r>
-              <a:rPr lang="en-US"/>
+              <a:rPr lang="en-US" dirty="0"/>
               <a:t>Exploratory data analysis</a:t>
             </a:r>
           </a:p>
@@ -25723,8 +25687,8 @@
               <a:buChar char="§"/>
             </a:pPr>
             <a:r>
-              <a:rPr lang="en-US"/>
-              <a:t>Data Preprocessing</a:t>
+              <a:rPr lang="en-US" dirty="0"/>
+              <a:t>Technology stack</a:t>
             </a:r>
           </a:p>
           <a:p>
@@ -25740,8 +25704,8 @@
               <a:buChar char="§"/>
             </a:pPr>
             <a:r>
-              <a:rPr lang="en-US"/>
-              <a:t>Architecture</a:t>
+              <a:rPr lang="en-US" dirty="0"/>
+              <a:t>Data Preprocessing</a:t>
             </a:r>
           </a:p>
           <a:p>
@@ -25757,8 +25721,8 @@
               <a:buChar char="§"/>
             </a:pPr>
             <a:r>
-              <a:rPr lang="en-US"/>
-              <a:t>Comment analysis</a:t>
+              <a:rPr lang="en-US" dirty="0"/>
+              <a:t>Architecture</a:t>
             </a:r>
           </a:p>
           <a:p>
@@ -25774,8 +25738,8 @@
               <a:buChar char="§"/>
             </a:pPr>
             <a:r>
-              <a:rPr lang="en-US"/>
-              <a:t>Data pipeline</a:t>
+              <a:rPr lang="en-US" dirty="0"/>
+              <a:t>Comment analysis</a:t>
             </a:r>
           </a:p>
           <a:p>
@@ -25791,8 +25755,8 @@
               <a:buChar char="§"/>
             </a:pPr>
             <a:r>
-              <a:rPr lang="en-US"/>
-              <a:t>Tag analysis</a:t>
+              <a:rPr lang="en-US" dirty="0"/>
+              <a:t>Data pipeline</a:t>
             </a:r>
           </a:p>
           <a:p>
@@ -25808,7 +25772,24 @@
               <a:buChar char="§"/>
             </a:pPr>
             <a:r>
-              <a:rPr lang="en-US"/>
+              <a:rPr lang="en-US" dirty="0"/>
+              <a:t>Tag analysis</a:t>
+            </a:r>
+          </a:p>
+          <a:p>
+            <a:pPr marL="457200" lvl="0" indent="-182880" defTabSz="914400">
+              <a:spcBef>
+                <a:spcPts val="0"/>
+              </a:spcBef>
+              <a:spcAft>
+                <a:spcPts val="600"/>
+              </a:spcAft>
+              <a:buSzPct val="85000"/>
+              <a:buFont typeface="Wingdings" pitchFamily="2" charset="2"/>
+              <a:buChar char="§"/>
+            </a:pPr>
+            <a:r>
+              <a:rPr lang="en-US" dirty="0"/>
               <a:t>Collaborations</a:t>
             </a:r>
           </a:p>
@@ -25849,7 +25830,7 @@
       </p:grpSpPr>
       <p:grpSp>
         <p:nvGrpSpPr>
-          <p:cNvPr id="83" name="Group 82">
+          <p:cNvPr id="137" name="Group 136">
             <a:extLst>
               <a:ext uri="{FF2B5EF4-FFF2-40B4-BE49-F238E27FC236}">
                 <a16:creationId xmlns:a16="http://schemas.microsoft.com/office/drawing/2014/main" id="{F85E0883-9001-4D4E-9C91-E8D165DAF9C1}"/>
@@ -25880,7 +25861,7 @@
         </p:grpSpPr>
         <p:sp>
           <p:nvSpPr>
-            <p:cNvPr id="84" name="Oval 83">
+            <p:cNvPr id="138" name="Oval 137">
               <a:extLst>
                 <a:ext uri="{FF2B5EF4-FFF2-40B4-BE49-F238E27FC236}">
                   <a16:creationId xmlns:a16="http://schemas.microsoft.com/office/drawing/2014/main" id="{94AEEF45-F5C8-4322-9C98-33BB7A5A2949}"/>
@@ -25943,7 +25924,7 @@
         </p:sp>
         <p:sp>
           <p:nvSpPr>
-            <p:cNvPr id="85" name="Oval 84">
+            <p:cNvPr id="139" name="Oval 138">
               <a:extLst>
                 <a:ext uri="{FF2B5EF4-FFF2-40B4-BE49-F238E27FC236}">
                   <a16:creationId xmlns:a16="http://schemas.microsoft.com/office/drawing/2014/main" id="{185E4386-A445-455A-91C4-16DE5DA9FC7D}"/>
@@ -26023,7 +26004,7 @@
       </p:sp>
       <p:sp>
         <p:nvSpPr>
-          <p:cNvPr id="112" name="Rectangle 86">
+          <p:cNvPr id="141" name="Rectangle 140">
             <a:extLst>
               <a:ext uri="{FF2B5EF4-FFF2-40B4-BE49-F238E27FC236}">
                 <a16:creationId xmlns:a16="http://schemas.microsoft.com/office/drawing/2014/main" id="{3FD711E9-7F79-40A9-8D9E-4AE293C154A5}"/>
@@ -26116,7 +26097,7 @@
           <p:nvPr>
             <p:extLst>
               <p:ext uri="{D42A27DB-BD31-4B8C-83A1-F6EECF244321}">
-                <p14:modId xmlns:p14="http://schemas.microsoft.com/office/powerpoint/2010/main" val="2592425224"/>
+                <p14:modId xmlns:p14="http://schemas.microsoft.com/office/powerpoint/2010/main" val="303898642"/>
               </p:ext>
             </p:extLst>
           </p:nvPr>
